--- a/Share/游戏名未定.pptx
+++ b/Share/游戏名未定.pptx
@@ -5,22 +5,14 @@
     <p:sldMasterId id="2147483648" r:id="rId1"/>
   </p:sldMasterIdLst>
   <p:notesMasterIdLst>
-    <p:notesMasterId r:id="rId15"/>
+    <p:notesMasterId r:id="rId7"/>
   </p:notesMasterIdLst>
   <p:sldIdLst>
     <p:sldId id="256" r:id="rId2"/>
-    <p:sldId id="257" r:id="rId3"/>
-    <p:sldId id="259" r:id="rId4"/>
-    <p:sldId id="258" r:id="rId5"/>
-    <p:sldId id="260" r:id="rId6"/>
-    <p:sldId id="261" r:id="rId7"/>
-    <p:sldId id="262" r:id="rId8"/>
-    <p:sldId id="263" r:id="rId9"/>
-    <p:sldId id="264" r:id="rId10"/>
-    <p:sldId id="265" r:id="rId11"/>
-    <p:sldId id="266" r:id="rId12"/>
-    <p:sldId id="267" r:id="rId13"/>
-    <p:sldId id="268" r:id="rId14"/>
+    <p:sldId id="260" r:id="rId3"/>
+    <p:sldId id="262" r:id="rId4"/>
+    <p:sldId id="263" r:id="rId5"/>
+    <p:sldId id="261" r:id="rId6"/>
   </p:sldIdLst>
   <p:sldSz cx="24384000" cy="13716000"/>
   <p:notesSz cx="6858000" cy="9144000"/>
@@ -322,6 +314,11 @@
       </a:defRPr>
     </a:lvl9pPr>
   </p:defaultTextStyle>
+  <p:extLst>
+    <p:ext uri="{EFAFB233-063F-42B5-8137-9DF3F51BA10A}">
+      <p15:sldGuideLst xmlns:p15="http://schemas.microsoft.com/office/powerpoint/2012/main"/>
+    </p:ext>
+  </p:extLst>
 </p:presentation>
 </file>
 
@@ -3096,7 +3093,7 @@
         </p:blipFill>
         <p:spPr>
           <a:xfrm>
-            <a:off x="126999" y="-65844"/>
+            <a:off x="15033" y="-65844"/>
             <a:ext cx="24384000" cy="13711502"/>
           </a:xfrm>
           <a:prstGeom prst="rect">
@@ -3144,8 +3141,8 @@
         </p:nvSpPr>
         <p:spPr>
           <a:xfrm>
-            <a:off x="10610800" y="6097343"/>
-            <a:ext cx="3949799" cy="872034"/>
+            <a:off x="10031727" y="5856917"/>
+            <a:ext cx="4719242" cy="1487587"/>
           </a:xfrm>
           <a:prstGeom prst="rect">
             <a:avLst/>
@@ -3174,20 +3171,20 @@
           </a:lstStyle>
           <a:p>
             <a:r>
-              <a:rPr lang="zh-CN" altLang="en-US" dirty="0">
+              <a:rPr lang="zh-CN" altLang="en-US" sz="9000" dirty="0">
                 <a:latin typeface="微软雅黑" panose="020B0503020204020204" pitchFamily="34" charset="-122"/>
                 <a:ea typeface="微软雅黑" panose="020B0503020204020204" pitchFamily="34" charset="-122"/>
               </a:rPr>
-              <a:t>游</a:t>
-            </a:r>
-            <a:r>
-              <a:rPr lang="zh-CN" altLang="en-US" dirty="0" smtClean="0">
+              <a:t>灵魂</a:t>
+            </a:r>
+            <a:r>
+              <a:rPr lang="zh-CN" altLang="en-US" sz="9000" dirty="0" smtClean="0">
                 <a:latin typeface="微软雅黑" panose="020B0503020204020204" pitchFamily="34" charset="-122"/>
                 <a:ea typeface="微软雅黑" panose="020B0503020204020204" pitchFamily="34" charset="-122"/>
               </a:rPr>
-              <a:t>戏名字未定</a:t>
-            </a:r>
-            <a:endParaRPr dirty="0">
+              <a:t>世界</a:t>
+            </a:r>
+            <a:endParaRPr sz="9000" dirty="0">
               <a:latin typeface="微软雅黑" panose="020B0503020204020204" pitchFamily="34" charset="-122"/>
               <a:ea typeface="微软雅黑" panose="020B0503020204020204" pitchFamily="34" charset="-122"/>
             </a:endParaRPr>
@@ -3207,820 +3204,6 @@
       </p:par>
     </p:tnLst>
   </p:timing>
-</p:sld>
-</file>
-
-<file path=ppt/slides/slide10.xml><?xml version="1.0" encoding="utf-8"?>
-<p:sld xmlns:a="http://schemas.openxmlformats.org/drawingml/2006/main" xmlns:r="http://schemas.openxmlformats.org/officeDocument/2006/relationships" xmlns:p="http://schemas.openxmlformats.org/presentationml/2006/main">
-  <p:cSld>
-    <p:spTree>
-      <p:nvGrpSpPr>
-        <p:cNvPr id="1" name=""/>
-        <p:cNvGrpSpPr/>
-        <p:nvPr/>
-      </p:nvGrpSpPr>
-      <p:grpSpPr>
-        <a:xfrm>
-          <a:off x="0" y="0"/>
-          <a:ext cx="0" cy="0"/>
-          <a:chOff x="0" y="0"/>
-          <a:chExt cx="0" cy="0"/>
-        </a:xfrm>
-      </p:grpSpPr>
-      <p:pic>
-        <p:nvPicPr>
-          <p:cNvPr id="177" name="pasted-image.pdf"/>
-          <p:cNvPicPr>
-            <a:picLocks noChangeAspect="1"/>
-          </p:cNvPicPr>
-          <p:nvPr/>
-        </p:nvPicPr>
-        <p:blipFill>
-          <a:blip r:embed="rId2">
-            <a:extLst/>
-          </a:blip>
-          <a:stretch>
-            <a:fillRect/>
-          </a:stretch>
-        </p:blipFill>
-        <p:spPr>
-          <a:xfrm>
-            <a:off x="17155983" y="2257970"/>
-            <a:ext cx="6602752" cy="9200060"/>
-          </a:xfrm>
-          <a:prstGeom prst="rect">
-            <a:avLst/>
-          </a:prstGeom>
-          <a:ln w="12700">
-            <a:miter lim="400000"/>
-          </a:ln>
-        </p:spPr>
-      </p:pic>
-      <p:sp>
-        <p:nvSpPr>
-          <p:cNvPr id="178" name="Shape 178"/>
-          <p:cNvSpPr/>
-          <p:nvPr/>
-        </p:nvSpPr>
-        <p:spPr>
-          <a:xfrm>
-            <a:off x="19731924" y="5832638"/>
-            <a:ext cx="3700273" cy="558801"/>
-          </a:xfrm>
-          <a:prstGeom prst="rect">
-            <a:avLst/>
-          </a:prstGeom>
-          <a:ln w="12700">
-            <a:miter lim="400000"/>
-          </a:ln>
-          <a:extLst>
-            <a:ext uri="{C572A759-6A51-4108-AA02-DFA0A04FC94B}">
-              <ma14:wrappingTextBoxFlag xmlns:ma14="http://schemas.microsoft.com/office/mac/drawingml/2011/main" xmlns="" val="1"/>
-            </a:ext>
-          </a:extLst>
-        </p:spPr>
-        <p:txBody>
-          <a:bodyPr wrap="none" lIns="50800" tIns="50800" rIns="50800" bIns="50800" anchor="ctr">
-            <a:spAutoFit/>
-          </a:bodyPr>
-          <a:lstStyle>
-            <a:lvl1pPr>
-              <a:defRPr sz="3000">
-                <a:solidFill>
-                  <a:srgbClr val="FFFFFF"/>
-                </a:solidFill>
-              </a:defRPr>
-            </a:lvl1pPr>
-          </a:lstStyle>
-          <a:p>
-            <a:r>
-              <a:t>PART1 TYPE A TITLE</a:t>
-            </a:r>
-          </a:p>
-        </p:txBody>
-      </p:sp>
-      <p:sp>
-        <p:nvSpPr>
-          <p:cNvPr id="179" name="Shape 179"/>
-          <p:cNvSpPr/>
-          <p:nvPr/>
-        </p:nvSpPr>
-        <p:spPr>
-          <a:xfrm>
-            <a:off x="19746910" y="3111592"/>
-            <a:ext cx="3670301" cy="2590801"/>
-          </a:xfrm>
-          <a:prstGeom prst="rect">
-            <a:avLst/>
-          </a:prstGeom>
-          <a:ln w="12700">
-            <a:miter lim="400000"/>
-          </a:ln>
-          <a:extLst>
-            <a:ext uri="{C572A759-6A51-4108-AA02-DFA0A04FC94B}">
-              <ma14:wrappingTextBoxFlag xmlns:ma14="http://schemas.microsoft.com/office/mac/drawingml/2011/main" xmlns="" val="1"/>
-            </a:ext>
-          </a:extLst>
-        </p:spPr>
-        <p:txBody>
-          <a:bodyPr wrap="none" lIns="50800" tIns="50800" rIns="50800" bIns="50800" anchor="ctr">
-            <a:spAutoFit/>
-          </a:bodyPr>
-          <a:lstStyle/>
-          <a:p>
-            <a:pPr algn="r">
-              <a:defRPr sz="7000" b="1">
-                <a:solidFill>
-                  <a:srgbClr val="FFFFFF"/>
-                </a:solidFill>
-                <a:latin typeface="Helvetica"/>
-                <a:ea typeface="Helvetica"/>
-                <a:cs typeface="Helvetica"/>
-                <a:sym typeface="Helvetica"/>
-              </a:defRPr>
-            </a:pPr>
-            <a:r>
-              <a:t>模块四</a:t>
-            </a:r>
-          </a:p>
-          <a:p>
-            <a:pPr algn="r">
-              <a:defRPr sz="7000" b="1">
-                <a:solidFill>
-                  <a:srgbClr val="FFFFFF"/>
-                </a:solidFill>
-                <a:latin typeface="Helvetica"/>
-                <a:ea typeface="Helvetica"/>
-                <a:cs typeface="Helvetica"/>
-                <a:sym typeface="Helvetica"/>
-              </a:defRPr>
-            </a:pPr>
-            <a:r>
-              <a:t>标题位置</a:t>
-            </a:r>
-          </a:p>
-        </p:txBody>
-      </p:sp>
-    </p:spTree>
-  </p:cSld>
-  <p:clrMapOvr>
-    <a:masterClrMapping/>
-  </p:clrMapOvr>
-  <p:transition spd="slow"/>
-</p:sld>
-</file>
-
-<file path=ppt/slides/slide11.xml><?xml version="1.0" encoding="utf-8"?>
-<p:sld xmlns:a="http://schemas.openxmlformats.org/drawingml/2006/main" xmlns:r="http://schemas.openxmlformats.org/officeDocument/2006/relationships" xmlns:p="http://schemas.openxmlformats.org/presentationml/2006/main">
-  <p:cSld>
-    <p:spTree>
-      <p:nvGrpSpPr>
-        <p:cNvPr id="1" name=""/>
-        <p:cNvGrpSpPr/>
-        <p:nvPr/>
-      </p:nvGrpSpPr>
-      <p:grpSpPr>
-        <a:xfrm>
-          <a:off x="0" y="0"/>
-          <a:ext cx="0" cy="0"/>
-          <a:chOff x="0" y="0"/>
-          <a:chExt cx="0" cy="0"/>
-        </a:xfrm>
-      </p:grpSpPr>
-      <p:pic>
-        <p:nvPicPr>
-          <p:cNvPr id="181" name="pasted-image.pdf"/>
-          <p:cNvPicPr>
-            <a:picLocks noChangeAspect="1"/>
-          </p:cNvPicPr>
-          <p:nvPr/>
-        </p:nvPicPr>
-        <p:blipFill>
-          <a:blip r:embed="rId2">
-            <a:extLst/>
-          </a:blip>
-          <a:srcRect/>
-          <a:stretch>
-            <a:fillRect/>
-          </a:stretch>
-        </p:blipFill>
-        <p:spPr>
-          <a:xfrm>
-            <a:off x="2269145" y="2574946"/>
-            <a:ext cx="558801" cy="558801"/>
-          </a:xfrm>
-          <a:prstGeom prst="rect">
-            <a:avLst/>
-          </a:prstGeom>
-          <a:ln w="12700">
-            <a:miter lim="400000"/>
-          </a:ln>
-        </p:spPr>
-      </p:pic>
-      <p:pic>
-        <p:nvPicPr>
-          <p:cNvPr id="182" name="pasted-image.pdf"/>
-          <p:cNvPicPr>
-            <a:picLocks noChangeAspect="1"/>
-          </p:cNvPicPr>
-          <p:nvPr/>
-        </p:nvPicPr>
-        <p:blipFill>
-          <a:blip r:embed="rId3">
-            <a:extLst/>
-          </a:blip>
-          <a:stretch>
-            <a:fillRect/>
-          </a:stretch>
-        </p:blipFill>
-        <p:spPr>
-          <a:xfrm>
-            <a:off x="1038744" y="1352720"/>
-            <a:ext cx="1609434" cy="1609434"/>
-          </a:xfrm>
-          <a:prstGeom prst="rect">
-            <a:avLst/>
-          </a:prstGeom>
-          <a:ln w="12700">
-            <a:miter lim="400000"/>
-          </a:ln>
-        </p:spPr>
-      </p:pic>
-      <p:sp>
-        <p:nvSpPr>
-          <p:cNvPr id="183" name="Shape 183"/>
-          <p:cNvSpPr/>
-          <p:nvPr/>
-        </p:nvSpPr>
-        <p:spPr>
-          <a:xfrm>
-            <a:off x="3157421" y="3076752"/>
-            <a:ext cx="4895597" cy="711201"/>
-          </a:xfrm>
-          <a:prstGeom prst="rect">
-            <a:avLst/>
-          </a:prstGeom>
-          <a:ln w="12700">
-            <a:miter lim="400000"/>
-          </a:ln>
-          <a:extLst>
-            <a:ext uri="{C572A759-6A51-4108-AA02-DFA0A04FC94B}">
-              <ma14:wrappingTextBoxFlag xmlns:ma14="http://schemas.microsoft.com/office/mac/drawingml/2011/main" xmlns="" val="1"/>
-            </a:ext>
-          </a:extLst>
-        </p:spPr>
-        <p:txBody>
-          <a:bodyPr wrap="none" lIns="50800" tIns="50800" rIns="50800" bIns="50800" anchor="ctr">
-            <a:spAutoFit/>
-          </a:bodyPr>
-          <a:lstStyle>
-            <a:lvl1pPr>
-              <a:defRPr sz="4000">
-                <a:solidFill>
-                  <a:srgbClr val="53585F"/>
-                </a:solidFill>
-              </a:defRPr>
-            </a:lvl1pPr>
-          </a:lstStyle>
-          <a:p>
-            <a:r>
-              <a:t>PART1 TYPE A TITLE</a:t>
-            </a:r>
-          </a:p>
-        </p:txBody>
-      </p:sp>
-      <p:sp>
-        <p:nvSpPr>
-          <p:cNvPr id="184" name="Shape 184"/>
-          <p:cNvSpPr/>
-          <p:nvPr/>
-        </p:nvSpPr>
-        <p:spPr>
-          <a:xfrm>
-            <a:off x="3081805" y="1801915"/>
-            <a:ext cx="6337301" cy="1346201"/>
-          </a:xfrm>
-          <a:prstGeom prst="rect">
-            <a:avLst/>
-          </a:prstGeom>
-          <a:ln w="12700">
-            <a:miter lim="400000"/>
-          </a:ln>
-          <a:extLst>
-            <a:ext uri="{C572A759-6A51-4108-AA02-DFA0A04FC94B}">
-              <ma14:wrappingTextBoxFlag xmlns:ma14="http://schemas.microsoft.com/office/mac/drawingml/2011/main" xmlns="" val="1"/>
-            </a:ext>
-          </a:extLst>
-        </p:spPr>
-        <p:txBody>
-          <a:bodyPr wrap="none" lIns="50800" tIns="50800" rIns="50800" bIns="50800" anchor="ctr">
-            <a:spAutoFit/>
-          </a:bodyPr>
-          <a:lstStyle>
-            <a:lvl1pPr>
-              <a:defRPr sz="7000" b="1">
-                <a:solidFill>
-                  <a:srgbClr val="53585F"/>
-                </a:solidFill>
-                <a:latin typeface="Helvetica"/>
-                <a:ea typeface="Helvetica"/>
-                <a:cs typeface="Helvetica"/>
-                <a:sym typeface="Helvetica"/>
-              </a:defRPr>
-            </a:lvl1pPr>
-          </a:lstStyle>
-          <a:p>
-            <a:r>
-              <a:t>模块三标题位置</a:t>
-            </a:r>
-          </a:p>
-        </p:txBody>
-      </p:sp>
-    </p:spTree>
-  </p:cSld>
-  <p:clrMapOvr>
-    <a:masterClrMapping/>
-  </p:clrMapOvr>
-  <p:transition spd="slow"/>
-</p:sld>
-</file>
-
-<file path=ppt/slides/slide12.xml><?xml version="1.0" encoding="utf-8"?>
-<p:sld xmlns:a="http://schemas.openxmlformats.org/drawingml/2006/main" xmlns:r="http://schemas.openxmlformats.org/officeDocument/2006/relationships" xmlns:p="http://schemas.openxmlformats.org/presentationml/2006/main">
-  <p:cSld>
-    <p:spTree>
-      <p:nvGrpSpPr>
-        <p:cNvPr id="1" name=""/>
-        <p:cNvGrpSpPr/>
-        <p:nvPr/>
-      </p:nvGrpSpPr>
-      <p:grpSpPr>
-        <a:xfrm>
-          <a:off x="0" y="0"/>
-          <a:ext cx="0" cy="0"/>
-          <a:chOff x="0" y="0"/>
-          <a:chExt cx="0" cy="0"/>
-        </a:xfrm>
-      </p:grpSpPr>
-      <p:pic>
-        <p:nvPicPr>
-          <p:cNvPr id="186" name="pasted-image.pdf"/>
-          <p:cNvPicPr>
-            <a:picLocks noChangeAspect="1"/>
-          </p:cNvPicPr>
-          <p:nvPr/>
-        </p:nvPicPr>
-        <p:blipFill>
-          <a:blip r:embed="rId2">
-            <a:extLst/>
-          </a:blip>
-          <a:stretch>
-            <a:fillRect/>
-          </a:stretch>
-        </p:blipFill>
-        <p:spPr>
-          <a:xfrm>
-            <a:off x="0" y="2249"/>
-            <a:ext cx="24384000" cy="13711502"/>
-          </a:xfrm>
-          <a:prstGeom prst="rect">
-            <a:avLst/>
-          </a:prstGeom>
-          <a:ln w="12700">
-            <a:miter lim="400000"/>
-          </a:ln>
-        </p:spPr>
-      </p:pic>
-      <p:pic>
-        <p:nvPicPr>
-          <p:cNvPr id="187" name="pasted-image.pdf"/>
-          <p:cNvPicPr>
-            <a:picLocks noChangeAspect="1"/>
-          </p:cNvPicPr>
-          <p:nvPr/>
-        </p:nvPicPr>
-        <p:blipFill>
-          <a:blip r:embed="rId3">
-            <a:extLst/>
-          </a:blip>
-          <a:stretch>
-            <a:fillRect/>
-          </a:stretch>
-        </p:blipFill>
-        <p:spPr>
-          <a:xfrm>
-            <a:off x="7074751" y="-5209367"/>
-            <a:ext cx="10488499" cy="10488500"/>
-          </a:xfrm>
-          <a:prstGeom prst="rect">
-            <a:avLst/>
-          </a:prstGeom>
-          <a:ln w="12700">
-            <a:miter lim="400000"/>
-          </a:ln>
-        </p:spPr>
-      </p:pic>
-      <p:sp>
-        <p:nvSpPr>
-          <p:cNvPr id="188" name="Shape 188"/>
-          <p:cNvSpPr/>
-          <p:nvPr/>
-        </p:nvSpPr>
-        <p:spPr>
-          <a:xfrm>
-            <a:off x="10899774" y="901884"/>
-            <a:ext cx="2584451" cy="2108201"/>
-          </a:xfrm>
-          <a:prstGeom prst="rect">
-            <a:avLst/>
-          </a:prstGeom>
-          <a:ln w="12700">
-            <a:miter lim="400000"/>
-          </a:ln>
-          <a:extLst>
-            <a:ext uri="{C572A759-6A51-4108-AA02-DFA0A04FC94B}">
-              <ma14:wrappingTextBoxFlag xmlns:ma14="http://schemas.microsoft.com/office/mac/drawingml/2011/main" xmlns="" val="1"/>
-            </a:ext>
-          </a:extLst>
-        </p:spPr>
-        <p:txBody>
-          <a:bodyPr wrap="none" lIns="50800" tIns="50800" rIns="50800" bIns="50800" anchor="ctr">
-            <a:spAutoFit/>
-          </a:bodyPr>
-          <a:lstStyle/>
-          <a:p>
-            <a:pPr>
-              <a:defRPr sz="7000" b="1">
-                <a:solidFill>
-                  <a:srgbClr val="FFFFFF"/>
-                </a:solidFill>
-                <a:latin typeface="Helvetica"/>
-                <a:ea typeface="Helvetica"/>
-                <a:cs typeface="Helvetica"/>
-                <a:sym typeface="Helvetica"/>
-              </a:defRPr>
-            </a:pPr>
-            <a:r>
-              <a:t>结语</a:t>
-            </a:r>
-          </a:p>
-          <a:p>
-            <a:pPr>
-              <a:defRPr>
-                <a:solidFill>
-                  <a:srgbClr val="FFFFFF"/>
-                </a:solidFill>
-              </a:defRPr>
-            </a:pPr>
-            <a:r>
-              <a:t>epilogue</a:t>
-            </a:r>
-          </a:p>
-        </p:txBody>
-      </p:sp>
-      <p:pic>
-        <p:nvPicPr>
-          <p:cNvPr id="189" name="pasted-image.pdf"/>
-          <p:cNvPicPr>
-            <a:picLocks noChangeAspect="1"/>
-          </p:cNvPicPr>
-          <p:nvPr/>
-        </p:nvPicPr>
-        <p:blipFill>
-          <a:blip r:embed="rId4">
-            <a:extLst/>
-          </a:blip>
-          <a:stretch>
-            <a:fillRect/>
-          </a:stretch>
-        </p:blipFill>
-        <p:spPr>
-          <a:xfrm>
-            <a:off x="12004982" y="3901445"/>
-            <a:ext cx="628036" cy="628035"/>
-          </a:xfrm>
-          <a:prstGeom prst="rect">
-            <a:avLst/>
-          </a:prstGeom>
-          <a:ln w="12700">
-            <a:miter lim="400000"/>
-          </a:ln>
-        </p:spPr>
-      </p:pic>
-      <p:sp>
-        <p:nvSpPr>
-          <p:cNvPr id="190" name="Shape 190"/>
-          <p:cNvSpPr/>
-          <p:nvPr/>
-        </p:nvSpPr>
-        <p:spPr>
-          <a:xfrm>
-            <a:off x="7328827" y="6480985"/>
-            <a:ext cx="9726346" cy="3835401"/>
-          </a:xfrm>
-          <a:prstGeom prst="rect">
-            <a:avLst/>
-          </a:prstGeom>
-          <a:ln w="12700">
-            <a:miter lim="400000"/>
-          </a:ln>
-          <a:extLst>
-            <a:ext uri="{C572A759-6A51-4108-AA02-DFA0A04FC94B}">
-              <ma14:wrappingTextBoxFlag xmlns:ma14="http://schemas.microsoft.com/office/mac/drawingml/2011/main" xmlns="" val="1"/>
-            </a:ext>
-          </a:extLst>
-        </p:spPr>
-        <p:txBody>
-          <a:bodyPr lIns="50800" tIns="50800" rIns="50800" bIns="50800" anchor="ctr">
-            <a:spAutoFit/>
-          </a:bodyPr>
-          <a:lstStyle>
-            <a:lvl1pPr>
-              <a:defRPr sz="3000">
-                <a:solidFill>
-                  <a:srgbClr val="FFFFFF"/>
-                </a:solidFill>
-              </a:defRPr>
-            </a:lvl1pPr>
-          </a:lstStyle>
-          <a:p>
-            <a:r>
-              <a:t>输入文本输入文本输入文本输入文本输入文本输入文本输入文本输入文本输入文本输入文本输入文本输入文本输入文本输入文本输入文本输入文本输入文本输入文本输入文本输入文本输入文本输入文本输入文本输入文本输入文本输入文本输入文本输入文本输入文本输入文本输入文本输入文本输入文本输入文本输入文本输入文本输入文本输入文本输入文本</a:t>
-            </a:r>
-          </a:p>
-        </p:txBody>
-      </p:sp>
-      <p:pic>
-        <p:nvPicPr>
-          <p:cNvPr id="191" name="pasted-image.pdf"/>
-          <p:cNvPicPr>
-            <a:picLocks noChangeAspect="1"/>
-          </p:cNvPicPr>
-          <p:nvPr/>
-        </p:nvPicPr>
-        <p:blipFill>
-          <a:blip r:embed="rId5">
-            <a:extLst/>
-          </a:blip>
-          <a:stretch>
-            <a:fillRect/>
-          </a:stretch>
-        </p:blipFill>
-        <p:spPr>
-          <a:xfrm>
-            <a:off x="12004982" y="12267892"/>
-            <a:ext cx="628036" cy="628035"/>
-          </a:xfrm>
-          <a:prstGeom prst="rect">
-            <a:avLst/>
-          </a:prstGeom>
-          <a:ln w="12700">
-            <a:miter lim="400000"/>
-          </a:ln>
-        </p:spPr>
-      </p:pic>
-    </p:spTree>
-  </p:cSld>
-  <p:clrMapOvr>
-    <a:masterClrMapping/>
-  </p:clrMapOvr>
-  <p:transition spd="slow"/>
-</p:sld>
-</file>
-
-<file path=ppt/slides/slide13.xml><?xml version="1.0" encoding="utf-8"?>
-<p:sld xmlns:a="http://schemas.openxmlformats.org/drawingml/2006/main" xmlns:r="http://schemas.openxmlformats.org/officeDocument/2006/relationships" xmlns:p="http://schemas.openxmlformats.org/presentationml/2006/main">
-  <p:cSld>
-    <p:spTree>
-      <p:nvGrpSpPr>
-        <p:cNvPr id="1" name=""/>
-        <p:cNvGrpSpPr/>
-        <p:nvPr/>
-      </p:nvGrpSpPr>
-      <p:grpSpPr>
-        <a:xfrm>
-          <a:off x="0" y="0"/>
-          <a:ext cx="0" cy="0"/>
-          <a:chOff x="0" y="0"/>
-          <a:chExt cx="0" cy="0"/>
-        </a:xfrm>
-      </p:grpSpPr>
-      <p:pic>
-        <p:nvPicPr>
-          <p:cNvPr id="193" name="pasted-image.pdf"/>
-          <p:cNvPicPr>
-            <a:picLocks noChangeAspect="1"/>
-          </p:cNvPicPr>
-          <p:nvPr/>
-        </p:nvPicPr>
-        <p:blipFill>
-          <a:blip r:embed="rId2">
-            <a:extLst/>
-          </a:blip>
-          <a:stretch>
-            <a:fillRect/>
-          </a:stretch>
-        </p:blipFill>
-        <p:spPr>
-          <a:xfrm>
-            <a:off x="0" y="2249"/>
-            <a:ext cx="24384000" cy="13711502"/>
-          </a:xfrm>
-          <a:prstGeom prst="rect">
-            <a:avLst/>
-          </a:prstGeom>
-          <a:ln w="12700">
-            <a:miter lim="400000"/>
-          </a:ln>
-        </p:spPr>
-      </p:pic>
-      <p:pic>
-        <p:nvPicPr>
-          <p:cNvPr id="194" name="pasted-image.pdf"/>
-          <p:cNvPicPr>
-            <a:picLocks noChangeAspect="1"/>
-          </p:cNvPicPr>
-          <p:nvPr/>
-        </p:nvPicPr>
-        <p:blipFill>
-          <a:blip r:embed="rId3">
-            <a:extLst/>
-          </a:blip>
-          <a:stretch>
-            <a:fillRect/>
-          </a:stretch>
-        </p:blipFill>
-        <p:spPr>
-          <a:xfrm>
-            <a:off x="8573439" y="2334066"/>
-            <a:ext cx="7491121" cy="7491121"/>
-          </a:xfrm>
-          <a:prstGeom prst="rect">
-            <a:avLst/>
-          </a:prstGeom>
-          <a:ln w="12700">
-            <a:miter lim="400000"/>
-          </a:ln>
-        </p:spPr>
-      </p:pic>
-      <p:pic>
-        <p:nvPicPr>
-          <p:cNvPr id="195" name="pasted-image.pdf"/>
-          <p:cNvPicPr>
-            <a:picLocks noChangeAspect="1"/>
-          </p:cNvPicPr>
-          <p:nvPr/>
-        </p:nvPicPr>
-        <p:blipFill>
-          <a:blip r:embed="rId4">
-            <a:extLst/>
-          </a:blip>
-          <a:stretch>
-            <a:fillRect/>
-          </a:stretch>
-        </p:blipFill>
-        <p:spPr>
-          <a:xfrm>
-            <a:off x="7878557" y="1672759"/>
-            <a:ext cx="472421" cy="472421"/>
-          </a:xfrm>
-          <a:prstGeom prst="rect">
-            <a:avLst/>
-          </a:prstGeom>
-          <a:ln w="12700">
-            <a:miter lim="400000"/>
-          </a:ln>
-        </p:spPr>
-      </p:pic>
-      <p:sp>
-        <p:nvSpPr>
-          <p:cNvPr id="196" name="Shape 196"/>
-          <p:cNvSpPr/>
-          <p:nvPr/>
-        </p:nvSpPr>
-        <p:spPr>
-          <a:xfrm>
-            <a:off x="10229850" y="4863406"/>
-            <a:ext cx="4178301" cy="1524001"/>
-          </a:xfrm>
-          <a:prstGeom prst="rect">
-            <a:avLst/>
-          </a:prstGeom>
-          <a:ln w="12700">
-            <a:miter lim="400000"/>
-          </a:ln>
-          <a:extLst>
-            <a:ext uri="{C572A759-6A51-4108-AA02-DFA0A04FC94B}">
-              <ma14:wrappingTextBoxFlag xmlns:ma14="http://schemas.microsoft.com/office/mac/drawingml/2011/main" xmlns="" val="1"/>
-            </a:ext>
-          </a:extLst>
-        </p:spPr>
-        <p:txBody>
-          <a:bodyPr wrap="none" lIns="50800" tIns="50800" rIns="50800" bIns="50800" anchor="ctr">
-            <a:spAutoFit/>
-          </a:bodyPr>
-          <a:lstStyle>
-            <a:lvl1pPr>
-              <a:defRPr sz="8000" b="1">
-                <a:solidFill>
-                  <a:srgbClr val="FFFFFF"/>
-                </a:solidFill>
-                <a:latin typeface="Helvetica"/>
-                <a:ea typeface="Helvetica"/>
-                <a:cs typeface="Helvetica"/>
-                <a:sym typeface="Helvetica"/>
-              </a:defRPr>
-            </a:lvl1pPr>
-          </a:lstStyle>
-          <a:p>
-            <a:r>
-              <a:t>谢谢观看</a:t>
-            </a:r>
-          </a:p>
-        </p:txBody>
-      </p:sp>
-      <p:sp>
-        <p:nvSpPr>
-          <p:cNvPr id="197" name="Shape 197"/>
-          <p:cNvSpPr/>
-          <p:nvPr/>
-        </p:nvSpPr>
-        <p:spPr>
-          <a:xfrm>
-            <a:off x="10356539" y="6305246"/>
-            <a:ext cx="3924922" cy="990601"/>
-          </a:xfrm>
-          <a:prstGeom prst="rect">
-            <a:avLst/>
-          </a:prstGeom>
-          <a:ln w="12700">
-            <a:miter lim="400000"/>
-          </a:ln>
-          <a:extLst>
-            <a:ext uri="{C572A759-6A51-4108-AA02-DFA0A04FC94B}">
-              <ma14:wrappingTextBoxFlag xmlns:ma14="http://schemas.microsoft.com/office/mac/drawingml/2011/main" xmlns="" val="1"/>
-            </a:ext>
-          </a:extLst>
-        </p:spPr>
-        <p:txBody>
-          <a:bodyPr wrap="none" lIns="50800" tIns="50800" rIns="50800" bIns="50800" anchor="ctr">
-            <a:spAutoFit/>
-          </a:bodyPr>
-          <a:lstStyle>
-            <a:lvl1pPr>
-              <a:defRPr b="1">
-                <a:solidFill>
-                  <a:srgbClr val="FFFFFF"/>
-                </a:solidFill>
-                <a:latin typeface="Helvetica"/>
-                <a:ea typeface="Helvetica"/>
-                <a:cs typeface="Helvetica"/>
-                <a:sym typeface="Helvetica"/>
-              </a:defRPr>
-            </a:lvl1pPr>
-          </a:lstStyle>
-          <a:p>
-            <a:r>
-              <a:t>汇报人：XXX</a:t>
-            </a:r>
-          </a:p>
-        </p:txBody>
-      </p:sp>
-      <p:pic>
-        <p:nvPicPr>
-          <p:cNvPr id="198" name="pasted-image.pdf"/>
-          <p:cNvPicPr>
-            <a:picLocks noChangeAspect="1"/>
-          </p:cNvPicPr>
-          <p:nvPr/>
-        </p:nvPicPr>
-        <p:blipFill>
-          <a:blip r:embed="rId5">
-            <a:extLst/>
-          </a:blip>
-          <a:stretch>
-            <a:fillRect/>
-          </a:stretch>
-        </p:blipFill>
-        <p:spPr>
-          <a:xfrm>
-            <a:off x="9340602" y="11464514"/>
-            <a:ext cx="5956797" cy="578727"/>
-          </a:xfrm>
-          <a:prstGeom prst="rect">
-            <a:avLst/>
-          </a:prstGeom>
-          <a:ln w="12700">
-            <a:miter lim="400000"/>
-          </a:ln>
-        </p:spPr>
-      </p:pic>
-    </p:spTree>
-  </p:cSld>
-  <p:clrMapOvr>
-    <a:masterClrMapping/>
-  </p:clrMapOvr>
-  <p:transition spd="slow"/>
 </p:sld>
 </file>
 
@@ -4049,8 +3232,8 @@
         </p:nvSpPr>
         <p:spPr>
           <a:xfrm>
-            <a:off x="-31818" y="-153409"/>
-            <a:ext cx="24447634" cy="3980063"/>
+            <a:off x="-31818" y="-153408"/>
+            <a:ext cx="24447634" cy="2786882"/>
           </a:xfrm>
           <a:prstGeom prst="rect">
             <a:avLst/>
@@ -4077,35 +3260,6 @@
           </a:p>
         </p:txBody>
       </p:sp>
-      <p:pic>
-        <p:nvPicPr>
-          <p:cNvPr id="127" name="pasted-image.pdf"/>
-          <p:cNvPicPr>
-            <a:picLocks noChangeAspect="1"/>
-          </p:cNvPicPr>
-          <p:nvPr/>
-        </p:nvPicPr>
-        <p:blipFill>
-          <a:blip r:embed="rId2">
-            <a:extLst/>
-          </a:blip>
-          <a:stretch>
-            <a:fillRect/>
-          </a:stretch>
-        </p:blipFill>
-        <p:spPr>
-          <a:xfrm>
-            <a:off x="5639627" y="-844753"/>
-            <a:ext cx="13104746" cy="37296698"/>
-          </a:xfrm>
-          <a:prstGeom prst="rect">
-            <a:avLst/>
-          </a:prstGeom>
-          <a:ln w="12700">
-            <a:miter lim="400000"/>
-          </a:ln>
-        </p:spPr>
-      </p:pic>
       <p:sp>
         <p:nvSpPr>
           <p:cNvPr id="128" name="Shape 128"/>
@@ -4114,8 +3268,8 @@
         </p:nvSpPr>
         <p:spPr>
           <a:xfrm>
-            <a:off x="-71254" y="-122760"/>
-            <a:ext cx="24526507" cy="3980063"/>
+            <a:off x="-71254" y="-122759"/>
+            <a:ext cx="24526507" cy="2756232"/>
           </a:xfrm>
           <a:prstGeom prst="rect">
             <a:avLst/>
@@ -4160,7 +3314,7 @@
           <p:nvPr/>
         </p:nvPicPr>
         <p:blipFill>
-          <a:blip r:embed="rId3">
+          <a:blip r:embed="rId2">
             <a:extLst/>
           </a:blip>
           <a:stretch>
@@ -4169,8 +3323,8 @@
         </p:blipFill>
         <p:spPr>
           <a:xfrm>
-            <a:off x="10238213" y="-353880"/>
-            <a:ext cx="3800445" cy="2087430"/>
+            <a:off x="10238213" y="-109728"/>
+            <a:ext cx="3800445" cy="1093470"/>
           </a:xfrm>
           <a:prstGeom prst="rect">
             <a:avLst/>
@@ -4188,7 +3342,7 @@
         </p:nvSpPr>
         <p:spPr>
           <a:xfrm>
-            <a:off x="10345339" y="2102913"/>
+            <a:off x="10327051" y="1170225"/>
             <a:ext cx="3693319" cy="1179810"/>
           </a:xfrm>
           <a:prstGeom prst="rect">
@@ -4228,16 +3382,506 @@
           </a:p>
         </p:txBody>
       </p:sp>
+      <p:sp>
+        <p:nvSpPr>
+          <p:cNvPr id="132" name="Shape 132"/>
+          <p:cNvSpPr/>
+          <p:nvPr/>
+        </p:nvSpPr>
+        <p:spPr>
+          <a:xfrm>
+            <a:off x="3877056" y="4001698"/>
+            <a:ext cx="18141696" cy="8220456"/>
+          </a:xfrm>
+          <a:prstGeom prst="rect">
+            <a:avLst/>
+          </a:prstGeom>
+          <a:ln w="12700">
+            <a:miter lim="400000"/>
+          </a:ln>
+          <a:extLst>
+            <a:ext uri="{C572A759-6A51-4108-AA02-DFA0A04FC94B}">
+              <ma14:wrappingTextBoxFlag xmlns:ma14="http://schemas.microsoft.com/office/mac/drawingml/2011/main" xmlns="" val="1"/>
+            </a:ext>
+          </a:extLst>
+        </p:spPr>
+        <p:txBody>
+          <a:bodyPr wrap="square" lIns="50800" tIns="50800" rIns="50800" bIns="50800" anchor="ctr">
+            <a:spAutoFit/>
+          </a:bodyPr>
+          <a:lstStyle>
+            <a:lvl1pPr>
+              <a:defRPr sz="3000"/>
+            </a:lvl1pPr>
+          </a:lstStyle>
+          <a:p>
+            <a:pPr algn="l">
+              <a:lnSpc>
+                <a:spcPts val="5800"/>
+              </a:lnSpc>
+            </a:pPr>
+            <a:r>
+              <a:rPr lang="zh-CN" altLang="en-US" sz="4000" b="1" dirty="0" smtClean="0">
+                <a:latin typeface="微软雅黑" panose="020B0503020204020204" pitchFamily="34" charset="-122"/>
+                <a:ea typeface="微软雅黑" panose="020B0503020204020204" pitchFamily="34" charset="-122"/>
+              </a:rPr>
+              <a:t>游戏类型</a:t>
+            </a:r>
+            <a:endParaRPr lang="en-US" altLang="zh-CN" sz="4000" b="1" dirty="0" smtClean="0">
+              <a:latin typeface="微软雅黑" panose="020B0503020204020204" pitchFamily="34" charset="-122"/>
+              <a:ea typeface="微软雅黑" panose="020B0503020204020204" pitchFamily="34" charset="-122"/>
+            </a:endParaRPr>
+          </a:p>
+          <a:p>
+            <a:pPr algn="l">
+              <a:lnSpc>
+                <a:spcPts val="5800"/>
+              </a:lnSpc>
+            </a:pPr>
+            <a:r>
+              <a:rPr lang="en-US" altLang="zh-CN" sz="4000" dirty="0" smtClean="0">
+                <a:latin typeface="微软雅黑" panose="020B0503020204020204" pitchFamily="34" charset="-122"/>
+                <a:ea typeface="微软雅黑" panose="020B0503020204020204" pitchFamily="34" charset="-122"/>
+              </a:rPr>
+              <a:t>RPG</a:t>
+            </a:r>
+          </a:p>
+          <a:p>
+            <a:pPr algn="l">
+              <a:lnSpc>
+                <a:spcPts val="5800"/>
+              </a:lnSpc>
+            </a:pPr>
+            <a:r>
+              <a:rPr lang="zh-CN" altLang="en-US" sz="4000" b="1" dirty="0">
+                <a:latin typeface="微软雅黑" panose="020B0503020204020204" pitchFamily="34" charset="-122"/>
+                <a:ea typeface="微软雅黑" panose="020B0503020204020204" pitchFamily="34" charset="-122"/>
+              </a:rPr>
+              <a:t>美</a:t>
+            </a:r>
+            <a:r>
+              <a:rPr lang="zh-CN" altLang="en-US" sz="4000" b="1" dirty="0" smtClean="0">
+                <a:latin typeface="微软雅黑" panose="020B0503020204020204" pitchFamily="34" charset="-122"/>
+                <a:ea typeface="微软雅黑" panose="020B0503020204020204" pitchFamily="34" charset="-122"/>
+              </a:rPr>
+              <a:t>术风格</a:t>
+            </a:r>
+            <a:endParaRPr lang="en-US" altLang="zh-CN" sz="4000" b="1" dirty="0" smtClean="0">
+              <a:latin typeface="微软雅黑" panose="020B0503020204020204" pitchFamily="34" charset="-122"/>
+              <a:ea typeface="微软雅黑" panose="020B0503020204020204" pitchFamily="34" charset="-122"/>
+            </a:endParaRPr>
+          </a:p>
+          <a:p>
+            <a:pPr algn="l">
+              <a:lnSpc>
+                <a:spcPts val="5800"/>
+              </a:lnSpc>
+            </a:pPr>
+            <a:r>
+              <a:rPr lang="en-US" sz="4000" dirty="0" smtClean="0">
+                <a:latin typeface="微软雅黑" panose="020B0503020204020204" pitchFamily="34" charset="-122"/>
+                <a:ea typeface="微软雅黑" panose="020B0503020204020204" pitchFamily="34" charset="-122"/>
+              </a:rPr>
+              <a:t>2</a:t>
+            </a:r>
+            <a:r>
+              <a:rPr lang="en-US" altLang="zh-CN" sz="4000" dirty="0" smtClean="0">
+                <a:latin typeface="微软雅黑" panose="020B0503020204020204" pitchFamily="34" charset="-122"/>
+                <a:ea typeface="微软雅黑" panose="020B0503020204020204" pitchFamily="34" charset="-122"/>
+              </a:rPr>
+              <a:t>D </a:t>
+            </a:r>
+            <a:r>
+              <a:rPr lang="zh-CN" altLang="en-US" sz="4000" dirty="0" smtClean="0">
+                <a:latin typeface="微软雅黑" panose="020B0503020204020204" pitchFamily="34" charset="-122"/>
+                <a:ea typeface="微软雅黑" panose="020B0503020204020204" pitchFamily="34" charset="-122"/>
+              </a:rPr>
+              <a:t>像素风</a:t>
+            </a:r>
+            <a:endParaRPr lang="en-US" altLang="zh-CN" sz="4000" dirty="0" smtClean="0">
+              <a:latin typeface="微软雅黑" panose="020B0503020204020204" pitchFamily="34" charset="-122"/>
+              <a:ea typeface="微软雅黑" panose="020B0503020204020204" pitchFamily="34" charset="-122"/>
+            </a:endParaRPr>
+          </a:p>
+          <a:p>
+            <a:pPr algn="l">
+              <a:lnSpc>
+                <a:spcPts val="5800"/>
+              </a:lnSpc>
+            </a:pPr>
+            <a:r>
+              <a:rPr lang="zh-CN" altLang="en-US" sz="4000" b="1" dirty="0">
+                <a:latin typeface="微软雅黑" panose="020B0503020204020204" pitchFamily="34" charset="-122"/>
+                <a:ea typeface="微软雅黑" panose="020B0503020204020204" pitchFamily="34" charset="-122"/>
+              </a:rPr>
+              <a:t>故</a:t>
+            </a:r>
+            <a:r>
+              <a:rPr lang="zh-CN" altLang="en-US" sz="4000" b="1" dirty="0" smtClean="0">
+                <a:latin typeface="微软雅黑" panose="020B0503020204020204" pitchFamily="34" charset="-122"/>
+                <a:ea typeface="微软雅黑" panose="020B0503020204020204" pitchFamily="34" charset="-122"/>
+              </a:rPr>
+              <a:t>事概要</a:t>
+            </a:r>
+            <a:endParaRPr lang="en-US" altLang="zh-CN" sz="4000" b="1" dirty="0" smtClean="0">
+              <a:latin typeface="微软雅黑" panose="020B0503020204020204" pitchFamily="34" charset="-122"/>
+              <a:ea typeface="微软雅黑" panose="020B0503020204020204" pitchFamily="34" charset="-122"/>
+            </a:endParaRPr>
+          </a:p>
+          <a:p>
+            <a:pPr algn="l">
+              <a:lnSpc>
+                <a:spcPts val="5800"/>
+              </a:lnSpc>
+            </a:pPr>
+            <a:r>
+              <a:rPr lang="zh-CN" altLang="en-US" sz="4000" dirty="0">
+                <a:latin typeface="微软雅黑" panose="020B0503020204020204" pitchFamily="34" charset="-122"/>
+                <a:ea typeface="微软雅黑" panose="020B0503020204020204" pitchFamily="34" charset="-122"/>
+              </a:rPr>
+              <a:t>玩</a:t>
+            </a:r>
+            <a:r>
+              <a:rPr lang="zh-CN" altLang="en-US" sz="4000" dirty="0" smtClean="0">
+                <a:latin typeface="微软雅黑" panose="020B0503020204020204" pitchFamily="34" charset="-122"/>
+                <a:ea typeface="微软雅黑" panose="020B0503020204020204" pitchFamily="34" charset="-122"/>
+              </a:rPr>
+              <a:t>家扮演的主角可以穿越现实世界和灵魂世界（现实世界的人活在伪装下，灵魂世界的人展现真实的一面）</a:t>
+            </a:r>
+            <a:endParaRPr lang="en-US" altLang="zh-CN" sz="4000" dirty="0" smtClean="0">
+              <a:latin typeface="微软雅黑" panose="020B0503020204020204" pitchFamily="34" charset="-122"/>
+              <a:ea typeface="微软雅黑" panose="020B0503020204020204" pitchFamily="34" charset="-122"/>
+            </a:endParaRPr>
+          </a:p>
+          <a:p>
+            <a:pPr algn="l">
+              <a:lnSpc>
+                <a:spcPts val="5800"/>
+              </a:lnSpc>
+            </a:pPr>
+            <a:r>
+              <a:rPr lang="zh-CN" altLang="en-US" sz="4000" b="1" dirty="0" smtClean="0">
+                <a:latin typeface="微软雅黑" panose="020B0503020204020204" pitchFamily="34" charset="-122"/>
+                <a:ea typeface="微软雅黑" panose="020B0503020204020204" pitchFamily="34" charset="-122"/>
+              </a:rPr>
+              <a:t>核心玩法</a:t>
+            </a:r>
+            <a:endParaRPr lang="en-US" altLang="zh-CN" sz="4000" b="1" dirty="0" smtClean="0">
+              <a:latin typeface="微软雅黑" panose="020B0503020204020204" pitchFamily="34" charset="-122"/>
+              <a:ea typeface="微软雅黑" panose="020B0503020204020204" pitchFamily="34" charset="-122"/>
+            </a:endParaRPr>
+          </a:p>
+          <a:p>
+            <a:pPr algn="l">
+              <a:lnSpc>
+                <a:spcPts val="5800"/>
+              </a:lnSpc>
+            </a:pPr>
+            <a:r>
+              <a:rPr lang="zh-CN" altLang="en-US" sz="4000" dirty="0">
+                <a:latin typeface="微软雅黑" panose="020B0503020204020204" pitchFamily="34" charset="-122"/>
+                <a:ea typeface="微软雅黑" panose="020B0503020204020204" pitchFamily="34" charset="-122"/>
+              </a:rPr>
+              <a:t>待</a:t>
+            </a:r>
+            <a:r>
+              <a:rPr lang="zh-CN" altLang="en-US" sz="4000" dirty="0" smtClean="0">
+                <a:latin typeface="微软雅黑" panose="020B0503020204020204" pitchFamily="34" charset="-122"/>
+                <a:ea typeface="微软雅黑" panose="020B0503020204020204" pitchFamily="34" charset="-122"/>
+              </a:rPr>
+              <a:t>定</a:t>
+            </a:r>
+            <a:endParaRPr lang="en-US" altLang="zh-CN" sz="4000" dirty="0" smtClean="0">
+              <a:latin typeface="微软雅黑" panose="020B0503020204020204" pitchFamily="34" charset="-122"/>
+              <a:ea typeface="微软雅黑" panose="020B0503020204020204" pitchFamily="34" charset="-122"/>
+            </a:endParaRPr>
+          </a:p>
+          <a:p>
+            <a:pPr algn="l">
+              <a:lnSpc>
+                <a:spcPts val="5800"/>
+              </a:lnSpc>
+            </a:pPr>
+            <a:r>
+              <a:rPr lang="zh-CN" altLang="en-US" sz="4000" b="1" dirty="0">
+                <a:latin typeface="微软雅黑" panose="020B0503020204020204" pitchFamily="34" charset="-122"/>
+                <a:ea typeface="微软雅黑" panose="020B0503020204020204" pitchFamily="34" charset="-122"/>
+              </a:rPr>
+              <a:t>游戏特色</a:t>
+            </a:r>
+            <a:endParaRPr lang="en-US" altLang="zh-CN" sz="4000" b="1" dirty="0">
+              <a:latin typeface="微软雅黑" panose="020B0503020204020204" pitchFamily="34" charset="-122"/>
+              <a:ea typeface="微软雅黑" panose="020B0503020204020204" pitchFamily="34" charset="-122"/>
+            </a:endParaRPr>
+          </a:p>
+          <a:p>
+            <a:pPr algn="l">
+              <a:lnSpc>
+                <a:spcPts val="5800"/>
+              </a:lnSpc>
+            </a:pPr>
+            <a:r>
+              <a:rPr lang="zh-CN" altLang="en-US" sz="4000" dirty="0">
+                <a:latin typeface="微软雅黑" panose="020B0503020204020204" pitchFamily="34" charset="-122"/>
+                <a:ea typeface="微软雅黑" panose="020B0503020204020204" pitchFamily="34" charset="-122"/>
+              </a:rPr>
+              <a:t>玩家可以在不</a:t>
+            </a:r>
+            <a:r>
+              <a:rPr lang="zh-CN" altLang="en-US" sz="4000" dirty="0" smtClean="0">
+                <a:latin typeface="微软雅黑" panose="020B0503020204020204" pitchFamily="34" charset="-122"/>
+                <a:ea typeface="微软雅黑" panose="020B0503020204020204" pitchFamily="34" charset="-122"/>
+              </a:rPr>
+              <a:t>同时</a:t>
+            </a:r>
+            <a:r>
+              <a:rPr lang="zh-CN" altLang="en-US" sz="4000" dirty="0">
+                <a:latin typeface="微软雅黑" panose="020B0503020204020204" pitchFamily="34" charset="-122"/>
+                <a:ea typeface="微软雅黑" panose="020B0503020204020204" pitchFamily="34" charset="-122"/>
+              </a:rPr>
+              <a:t>间段做不同的</a:t>
+            </a:r>
+            <a:r>
+              <a:rPr lang="zh-CN" altLang="en-US" sz="4000" dirty="0" smtClean="0">
+                <a:latin typeface="微软雅黑" panose="020B0503020204020204" pitchFamily="34" charset="-122"/>
+                <a:ea typeface="微软雅黑" panose="020B0503020204020204" pitchFamily="34" charset="-122"/>
+              </a:rPr>
+              <a:t>事</a:t>
+            </a:r>
+            <a:endParaRPr lang="en-US" altLang="zh-CN" sz="4000" dirty="0">
+              <a:latin typeface="微软雅黑" panose="020B0503020204020204" pitchFamily="34" charset="-122"/>
+              <a:ea typeface="微软雅黑" panose="020B0503020204020204" pitchFamily="34" charset="-122"/>
+            </a:endParaRPr>
+          </a:p>
+        </p:txBody>
+      </p:sp>
+      <p:sp>
+        <p:nvSpPr>
+          <p:cNvPr id="3" name="Rectangle 2"/>
+          <p:cNvSpPr/>
+          <p:nvPr/>
+        </p:nvSpPr>
+        <p:spPr>
+          <a:xfrm>
+            <a:off x="-50106" y="2599045"/>
+            <a:ext cx="3521467" cy="872034"/>
+          </a:xfrm>
+          <a:prstGeom prst="rect">
+            <a:avLst/>
+          </a:prstGeom>
+          <a:solidFill>
+            <a:srgbClr val="00AF66"/>
+          </a:solidFill>
+          <a:ln w="12700" cap="flat">
+            <a:solidFill>
+              <a:schemeClr val="tx1"/>
+            </a:solidFill>
+            <a:miter lim="400000"/>
+          </a:ln>
+          <a:effectLst>
+            <a:outerShdw blurRad="38100" dist="25400" dir="5400000" rotWithShape="0">
+              <a:srgbClr val="000000">
+                <a:alpha val="50000"/>
+              </a:srgbClr>
+            </a:outerShdw>
+          </a:effectLst>
+          <a:sp3d/>
+        </p:spPr>
+        <p:style>
+          <a:lnRef idx="0">
+            <a:scrgbClr r="0" g="0" b="0"/>
+          </a:lnRef>
+          <a:fillRef idx="0">
+            <a:scrgbClr r="0" g="0" b="0"/>
+          </a:fillRef>
+          <a:effectRef idx="0">
+            <a:scrgbClr r="0" g="0" b="0"/>
+          </a:effectRef>
+          <a:fontRef idx="none"/>
+        </p:style>
+        <p:txBody>
+          <a:bodyPr rot="0" spcFirstLastPara="1" vertOverflow="overflow" horzOverflow="overflow" vert="horz" wrap="square" lIns="50800" tIns="50800" rIns="50800" bIns="50800" numCol="1" spcCol="38100" rtlCol="0" anchor="ctr">
+            <a:spAutoFit/>
+          </a:bodyPr>
+          <a:lstStyle/>
+          <a:p>
+            <a:pPr marL="0" marR="0" indent="0" algn="ctr" defTabSz="825500" rtl="0" fontAlgn="auto" latinLnBrk="0" hangingPunct="0">
+              <a:lnSpc>
+                <a:spcPct val="100000"/>
+              </a:lnSpc>
+              <a:spcBef>
+                <a:spcPts val="0"/>
+              </a:spcBef>
+              <a:spcAft>
+                <a:spcPts val="0"/>
+              </a:spcAft>
+              <a:buClrTx/>
+              <a:buSzTx/>
+              <a:buFontTx/>
+              <a:buNone/>
+              <a:tabLst/>
+            </a:pPr>
+            <a:r>
+              <a:rPr kumimoji="0" lang="zh-CN" altLang="en-US" b="0" i="0" u="none" strike="noStrike" cap="none" spc="0" normalizeH="0" baseline="0" dirty="0" smtClean="0">
+                <a:ln>
+                  <a:noFill/>
+                </a:ln>
+                <a:solidFill>
+                  <a:srgbClr val="FFFFFF"/>
+                </a:solidFill>
+                <a:effectLst/>
+                <a:uFillTx/>
+                <a:latin typeface="微软雅黑" panose="020B0503020204020204" pitchFamily="34" charset="-122"/>
+                <a:ea typeface="微软雅黑" panose="020B0503020204020204" pitchFamily="34" charset="-122"/>
+                <a:sym typeface="Helvetica Light"/>
+              </a:rPr>
+              <a:t>概述</a:t>
+            </a:r>
+            <a:endParaRPr kumimoji="0" lang="zh-CN" altLang="en-US" b="0" i="0" u="none" strike="noStrike" cap="none" spc="0" normalizeH="0" baseline="0" dirty="0">
+              <a:ln>
+                <a:noFill/>
+              </a:ln>
+              <a:solidFill>
+                <a:srgbClr val="FFFFFF"/>
+              </a:solidFill>
+              <a:effectLst/>
+              <a:uFillTx/>
+              <a:latin typeface="微软雅黑" panose="020B0503020204020204" pitchFamily="34" charset="-122"/>
+              <a:ea typeface="微软雅黑" panose="020B0503020204020204" pitchFamily="34" charset="-122"/>
+              <a:sym typeface="Helvetica Light"/>
+            </a:endParaRPr>
+          </a:p>
+        </p:txBody>
+      </p:sp>
+    </p:spTree>
+    <p:extLst>
+      <p:ext uri="{BB962C8B-B14F-4D97-AF65-F5344CB8AC3E}">
+        <p14:creationId xmlns:p14="http://schemas.microsoft.com/office/powerpoint/2010/main" val="3554007767"/>
+      </p:ext>
+    </p:extLst>
+  </p:cSld>
+  <p:clrMapOvr>
+    <a:masterClrMapping/>
+  </p:clrMapOvr>
+  <p:transition spd="slow"/>
+  <p:timing>
+    <p:tnLst>
+      <p:par>
+        <p:cTn id="1" dur="indefinite" restart="never" nodeType="tmRoot"/>
+      </p:par>
+    </p:tnLst>
+  </p:timing>
+</p:sld>
+</file>
+
+<file path=ppt/slides/slide3.xml><?xml version="1.0" encoding="utf-8"?>
+<p:sld xmlns:a="http://schemas.openxmlformats.org/drawingml/2006/main" xmlns:r="http://schemas.openxmlformats.org/officeDocument/2006/relationships" xmlns:p="http://schemas.openxmlformats.org/presentationml/2006/main">
+  <p:cSld>
+    <p:spTree>
+      <p:nvGrpSpPr>
+        <p:cNvPr id="1" name=""/>
+        <p:cNvGrpSpPr/>
+        <p:nvPr/>
+      </p:nvGrpSpPr>
+      <p:grpSpPr>
+        <a:xfrm>
+          <a:off x="0" y="0"/>
+          <a:ext cx="0" cy="0"/>
+          <a:chOff x="0" y="0"/>
+          <a:chExt cx="0" cy="0"/>
+        </a:xfrm>
+      </p:grpSpPr>
+      <p:sp>
+        <p:nvSpPr>
+          <p:cNvPr id="126" name="Shape 126"/>
+          <p:cNvSpPr/>
+          <p:nvPr/>
+        </p:nvSpPr>
+        <p:spPr>
+          <a:xfrm>
+            <a:off x="-31818" y="-153408"/>
+            <a:ext cx="24447634" cy="2786882"/>
+          </a:xfrm>
+          <a:prstGeom prst="rect">
+            <a:avLst/>
+          </a:prstGeom>
+          <a:solidFill>
+            <a:srgbClr val="00AE66"/>
+          </a:solidFill>
+          <a:ln w="12700">
+            <a:miter lim="400000"/>
+          </a:ln>
+        </p:spPr>
+        <p:txBody>
+          <a:bodyPr lIns="50800" tIns="50800" rIns="50800" bIns="50800" anchor="ctr"/>
+          <a:lstStyle/>
+          <a:p>
+            <a:pPr>
+              <a:defRPr sz="3200">
+                <a:solidFill>
+                  <a:srgbClr val="FFFFFF"/>
+                </a:solidFill>
+              </a:defRPr>
+            </a:pPr>
+            <a:endParaRPr/>
+          </a:p>
+        </p:txBody>
+      </p:sp>
+      <p:sp>
+        <p:nvSpPr>
+          <p:cNvPr id="128" name="Shape 128"/>
+          <p:cNvSpPr/>
+          <p:nvPr/>
+        </p:nvSpPr>
+        <p:spPr>
+          <a:xfrm>
+            <a:off x="-71254" y="-122759"/>
+            <a:ext cx="24526507" cy="2756232"/>
+          </a:xfrm>
+          <a:prstGeom prst="rect">
+            <a:avLst/>
+          </a:prstGeom>
+          <a:solidFill>
+            <a:srgbClr val="000000">
+              <a:alpha val="70000"/>
+            </a:srgbClr>
+          </a:solidFill>
+          <a:ln w="12700">
+            <a:miter lim="400000"/>
+          </a:ln>
+          <a:effectLst>
+            <a:outerShdw blurRad="38100" dist="25400" dir="5400000" rotWithShape="0">
+              <a:srgbClr val="000000">
+                <a:alpha val="50000"/>
+              </a:srgbClr>
+            </a:outerShdw>
+          </a:effectLst>
+        </p:spPr>
+        <p:txBody>
+          <a:bodyPr lIns="50800" tIns="50800" rIns="50800" bIns="50800" anchor="ctr"/>
+          <a:lstStyle/>
+          <a:p>
+            <a:pPr>
+              <a:defRPr sz="3200">
+                <a:solidFill>
+                  <a:srgbClr val="FFFFFF"/>
+                </a:solidFill>
+              </a:defRPr>
+            </a:pPr>
+            <a:endParaRPr/>
+          </a:p>
+        </p:txBody>
+      </p:sp>
       <p:pic>
         <p:nvPicPr>
-          <p:cNvPr id="131" name="pasted-image.pdf"/>
+          <p:cNvPr id="129" name="pasted-image.pdf"/>
           <p:cNvPicPr>
             <a:picLocks noChangeAspect="1"/>
           </p:cNvPicPr>
           <p:nvPr/>
         </p:nvPicPr>
         <p:blipFill>
-          <a:blip r:embed="rId4">
+          <a:blip r:embed="rId2">
             <a:extLst/>
           </a:blip>
           <a:stretch>
@@ -4246,8 +3890,8 @@
         </p:blipFill>
         <p:spPr>
           <a:xfrm>
-            <a:off x="11846407" y="12220233"/>
-            <a:ext cx="691186" cy="691186"/>
+            <a:off x="10238213" y="-109728"/>
+            <a:ext cx="3800445" cy="1093470"/>
           </a:xfrm>
           <a:prstGeom prst="rect">
             <a:avLst/>
@@ -4257,6 +3901,54 @@
           </a:ln>
         </p:spPr>
       </p:pic>
+      <p:sp>
+        <p:nvSpPr>
+          <p:cNvPr id="130" name="Shape 130"/>
+          <p:cNvSpPr/>
+          <p:nvPr/>
+        </p:nvSpPr>
+        <p:spPr>
+          <a:xfrm>
+            <a:off x="10327051" y="1170225"/>
+            <a:ext cx="3693319" cy="1179810"/>
+          </a:xfrm>
+          <a:prstGeom prst="rect">
+            <a:avLst/>
+          </a:prstGeom>
+          <a:ln w="12700">
+            <a:miter lim="400000"/>
+          </a:ln>
+          <a:extLst>
+            <a:ext uri="{C572A759-6A51-4108-AA02-DFA0A04FC94B}">
+              <ma14:wrappingTextBoxFlag xmlns:ma14="http://schemas.microsoft.com/office/mac/drawingml/2011/main" xmlns="" val="1"/>
+            </a:ext>
+          </a:extLst>
+        </p:spPr>
+        <p:txBody>
+          <a:bodyPr wrap="none" lIns="50800" tIns="50800" rIns="50800" bIns="50800" anchor="ctr">
+            <a:spAutoFit/>
+          </a:bodyPr>
+          <a:lstStyle/>
+          <a:p>
+            <a:pPr>
+              <a:defRPr sz="7000" b="1">
+                <a:solidFill>
+                  <a:srgbClr val="FFFFFF"/>
+                </a:solidFill>
+                <a:latin typeface="Helvetica"/>
+                <a:ea typeface="Helvetica"/>
+                <a:cs typeface="Helvetica"/>
+                <a:sym typeface="Helvetica"/>
+              </a:defRPr>
+            </a:pPr>
+            <a:r>
+              <a:rPr lang="zh-CN" altLang="en-US" dirty="0" smtClean="0"/>
+              <a:t>游戏介绍</a:t>
+            </a:r>
+            <a:endParaRPr dirty="0" smtClean="0"/>
+          </a:p>
+        </p:txBody>
+      </p:sp>
       <p:sp>
         <p:nvSpPr>
           <p:cNvPr id="132" name="Shape 132"/>
@@ -4303,7 +3995,7 @@
                 <a:latin typeface="微软雅黑" panose="020B0503020204020204" pitchFamily="34" charset="-122"/>
                 <a:ea typeface="微软雅黑" panose="020B0503020204020204" pitchFamily="34" charset="-122"/>
               </a:rPr>
-              <a:t>玩家扮演一个富有且成功的人，周围人都对他都很好，每一个人都和他打招呼，只有一个小女孩不理他。当玩家回去的路上，遇到了意外，落入水中，玩家不断求救，但是之前那些对他很好的人都不救他，反而恶语相向，只有那个小女孩想要救他。最后玩家濒死之际，天使降临，将玩家带入到了灵魂世界，在这个里，每个人都只能表现出内心真实的一面，玩家了解到情况后很震惊，但是天使告诉他，这里的人开始都是善良的，但是经历一些事后，心里有了邪念，就会被恶魔控制，所以玩家要想复活，就必须拯救所有人的灵魂。在灵魂世界，也只有小女孩是纯洁的，玩家白天在现实世界，晚上在灵魂世界，在小女孩的帮助下，玩家一一解救他们，现实世界和灵魂世界的物品是相通的。最后，恶魔抓走了小女孩的灵魂，玩家在所有人的帮助下，玩家选择牺牲自己能拯救小女孩，选择复活自己则小女孩死亡。</a:t>
+              <a:t>玩家扮演一个富有且成功的人，周围人都对他都很好，每一个人都和他打招呼，只有一个小女孩不理他。当玩家回去的路上，遇到了意外，落入水中，玩家不断求救，但是之前那些对他很好的人都不救他，反而恶语相向，只有那个小女孩想要救他。最后玩家濒死之际，天使降临，将玩家带入到了灵魂世界，在这个里，每个人都只能表现出内心真实的一面，玩家了解到情况后很震惊，但是天使告诉他，这里的人开始都是善良的，但是经历一些事后，心里有了邪念，就会被恶魔控制，所以玩家要想复活，就必须拯救所有人的灵魂。在灵魂世界，也只有小女孩是纯洁的，玩家白天在现实世界，晚上在灵魂世界，在小女孩的帮助下，玩家一一解救他们，现实世界和灵魂世界的物品是相通的。最后，恶魔抓走了小女孩的灵魂，玩家在所有人的帮助下，玩家选择牺牲自己能拯救小女孩，选择复活自己则小女孩死亡，小女孩死亡后成为了天使。</a:t>
             </a:r>
             <a:endParaRPr sz="4000" dirty="0">
               <a:latin typeface="微软雅黑" panose="020B0503020204020204" pitchFamily="34" charset="-122"/>
@@ -4312,238 +4004,126 @@
           </a:p>
         </p:txBody>
       </p:sp>
-    </p:spTree>
-  </p:cSld>
-  <p:clrMapOvr>
-    <a:masterClrMapping/>
-  </p:clrMapOvr>
-  <p:transition spd="slow"/>
-  <p:timing>
-    <p:tnLst>
-      <p:par>
-        <p:cTn id="1" dur="indefinite" restart="never" nodeType="tmRoot"/>
-      </p:par>
-    </p:tnLst>
-  </p:timing>
-</p:sld>
-</file>
-
-<file path=ppt/slides/slide3.xml><?xml version="1.0" encoding="utf-8"?>
-<p:sld xmlns:a="http://schemas.openxmlformats.org/drawingml/2006/main" xmlns:r="http://schemas.openxmlformats.org/officeDocument/2006/relationships" xmlns:p="http://schemas.openxmlformats.org/presentationml/2006/main">
-  <p:cSld>
-    <p:spTree>
-      <p:nvGrpSpPr>
-        <p:cNvPr id="1" name=""/>
-        <p:cNvGrpSpPr/>
-        <p:nvPr/>
-      </p:nvGrpSpPr>
-      <p:grpSpPr>
-        <a:xfrm>
-          <a:off x="0" y="0"/>
-          <a:ext cx="0" cy="0"/>
-          <a:chOff x="0" y="0"/>
-          <a:chExt cx="0" cy="0"/>
-        </a:xfrm>
-      </p:grpSpPr>
-      <p:pic>
-        <p:nvPicPr>
-          <p:cNvPr id="141" name="pasted-image.pdf"/>
-          <p:cNvPicPr>
-            <a:picLocks noChangeAspect="1"/>
-          </p:cNvPicPr>
-          <p:nvPr/>
-        </p:nvPicPr>
-        <p:blipFill>
-          <a:blip r:embed="rId2">
-            <a:extLst/>
-          </a:blip>
-          <a:stretch>
-            <a:fillRect/>
-          </a:stretch>
-        </p:blipFill>
-        <p:spPr>
-          <a:xfrm>
-            <a:off x="0" y="2249"/>
-            <a:ext cx="24384000" cy="13711502"/>
-          </a:xfrm>
-          <a:prstGeom prst="rect">
-            <a:avLst/>
-          </a:prstGeom>
-          <a:ln w="12700">
-            <a:miter lim="400000"/>
-          </a:ln>
-        </p:spPr>
-      </p:pic>
-      <p:pic>
-        <p:nvPicPr>
-          <p:cNvPr id="142" name="pasted-image.pdf"/>
-          <p:cNvPicPr>
-            <a:picLocks noChangeAspect="1"/>
-          </p:cNvPicPr>
-          <p:nvPr/>
-        </p:nvPicPr>
-        <p:blipFill>
-          <a:blip r:embed="rId3">
-            <a:extLst/>
-          </a:blip>
-          <a:stretch>
-            <a:fillRect/>
-          </a:stretch>
-        </p:blipFill>
-        <p:spPr>
-          <a:xfrm>
-            <a:off x="1815725" y="3364255"/>
-            <a:ext cx="6987490" cy="6339582"/>
-          </a:xfrm>
-          <a:prstGeom prst="rect">
-            <a:avLst/>
-          </a:prstGeom>
-          <a:ln w="12700">
-            <a:miter lim="400000"/>
-          </a:ln>
-        </p:spPr>
-      </p:pic>
       <p:sp>
         <p:nvSpPr>
-          <p:cNvPr id="143" name="Shape 143"/>
+          <p:cNvPr id="3" name="Rectangle 2"/>
           <p:cNvSpPr/>
           <p:nvPr/>
         </p:nvSpPr>
         <p:spPr>
           <a:xfrm>
-            <a:off x="4624568" y="6858000"/>
-            <a:ext cx="3693320" cy="1179810"/>
+            <a:off x="-50106" y="2599045"/>
+            <a:ext cx="3521467" cy="872034"/>
           </a:xfrm>
           <a:prstGeom prst="rect">
             <a:avLst/>
           </a:prstGeom>
-          <a:ln w="12700">
+          <a:solidFill>
+            <a:srgbClr val="00AF66"/>
+          </a:solidFill>
+          <a:ln w="12700" cap="flat">
+            <a:solidFill>
+              <a:schemeClr val="tx1"/>
+            </a:solidFill>
             <a:miter lim="400000"/>
           </a:ln>
-          <a:extLst>
-            <a:ext uri="{C572A759-6A51-4108-AA02-DFA0A04FC94B}">
-              <ma14:wrappingTextBoxFlag xmlns:ma14="http://schemas.microsoft.com/office/mac/drawingml/2011/main" xmlns="" val="1"/>
-            </a:ext>
-          </a:extLst>
+          <a:effectLst>
+            <a:outerShdw blurRad="38100" dist="25400" dir="5400000" rotWithShape="0">
+              <a:srgbClr val="000000">
+                <a:alpha val="50000"/>
+              </a:srgbClr>
+            </a:outerShdw>
+          </a:effectLst>
+          <a:sp3d/>
         </p:spPr>
+        <p:style>
+          <a:lnRef idx="0">
+            <a:scrgbClr r="0" g="0" b="0"/>
+          </a:lnRef>
+          <a:fillRef idx="0">
+            <a:scrgbClr r="0" g="0" b="0"/>
+          </a:fillRef>
+          <a:effectRef idx="0">
+            <a:scrgbClr r="0" g="0" b="0"/>
+          </a:effectRef>
+          <a:fontRef idx="none"/>
+        </p:style>
         <p:txBody>
-          <a:bodyPr wrap="none" lIns="50800" tIns="50800" rIns="50800" bIns="50800" anchor="ctr">
+          <a:bodyPr rot="0" spcFirstLastPara="1" vertOverflow="overflow" horzOverflow="overflow" vert="horz" wrap="square" lIns="50800" tIns="50800" rIns="50800" bIns="50800" numCol="1" spcCol="38100" rtlCol="0" anchor="ctr">
             <a:spAutoFit/>
           </a:bodyPr>
           <a:lstStyle/>
           <a:p>
-            <a:pPr algn="r">
-              <a:defRPr sz="7000" b="1">
+            <a:pPr marL="0" marR="0" indent="0" algn="ctr" defTabSz="825500" rtl="0" fontAlgn="auto" latinLnBrk="0" hangingPunct="0">
+              <a:lnSpc>
+                <a:spcPct val="100000"/>
+              </a:lnSpc>
+              <a:spcBef>
+                <a:spcPts val="0"/>
+              </a:spcBef>
+              <a:spcAft>
+                <a:spcPts val="0"/>
+              </a:spcAft>
+              <a:buClrTx/>
+              <a:buSzTx/>
+              <a:buFontTx/>
+              <a:buNone/>
+              <a:tabLst/>
+            </a:pPr>
+            <a:r>
+              <a:rPr kumimoji="0" lang="zh-CN" altLang="en-US" b="0" i="0" u="none" strike="noStrike" cap="none" spc="0" normalizeH="0" baseline="0" dirty="0" smtClean="0">
+                <a:ln>
+                  <a:noFill/>
+                </a:ln>
                 <a:solidFill>
                   <a:srgbClr val="FFFFFF"/>
                 </a:solidFill>
-                <a:latin typeface="Helvetica"/>
-                <a:ea typeface="Helvetica"/>
-                <a:cs typeface="Helvetica"/>
-                <a:sym typeface="Helvetica"/>
-              </a:defRPr>
-            </a:pPr>
-            <a:r>
-              <a:rPr lang="zh-CN" altLang="en-US" dirty="0" smtClean="0"/>
-              <a:t>游戏系统</a:t>
-            </a:r>
-            <a:endParaRPr dirty="0"/>
-          </a:p>
-        </p:txBody>
-      </p:sp>
-      <p:sp>
-        <p:nvSpPr>
-          <p:cNvPr id="145" name="Shape 145"/>
-          <p:cNvSpPr/>
-          <p:nvPr/>
-        </p:nvSpPr>
-        <p:spPr>
-          <a:xfrm>
-            <a:off x="9957350" y="2030557"/>
-            <a:ext cx="9848851" cy="1333698"/>
-          </a:xfrm>
-          <a:prstGeom prst="rect">
-            <a:avLst/>
-          </a:prstGeom>
-          <a:ln w="12700">
-            <a:miter lim="400000"/>
-          </a:ln>
-          <a:extLst>
-            <a:ext uri="{C572A759-6A51-4108-AA02-DFA0A04FC94B}">
-              <ma14:wrappingTextBoxFlag xmlns:ma14="http://schemas.microsoft.com/office/mac/drawingml/2011/main" xmlns="" val="1"/>
-            </a:ext>
-          </a:extLst>
-        </p:spPr>
-        <p:txBody>
-          <a:bodyPr wrap="none" lIns="50800" tIns="50800" rIns="50800" bIns="50800" anchor="ctr">
-            <a:spAutoFit/>
-          </a:bodyPr>
-          <a:lstStyle>
-            <a:lvl1pPr algn="r">
-              <a:defRPr sz="7000" b="1">
+                <a:effectLst/>
+                <a:uFillTx/>
+                <a:latin typeface="微软雅黑" panose="020B0503020204020204" pitchFamily="34" charset="-122"/>
+                <a:ea typeface="微软雅黑" panose="020B0503020204020204" pitchFamily="34" charset="-122"/>
+                <a:sym typeface="Helvetica Light"/>
+              </a:rPr>
+              <a:t>游戏剧情</a:t>
+            </a:r>
+            <a:r>
+              <a:rPr kumimoji="0" lang="en-US" altLang="zh-CN" b="0" i="0" u="none" strike="noStrike" cap="none" spc="0" normalizeH="0" baseline="0" dirty="0" smtClean="0">
+                <a:ln>
+                  <a:noFill/>
+                </a:ln>
                 <a:solidFill>
                   <a:srgbClr val="FFFFFF"/>
                 </a:solidFill>
-                <a:latin typeface="Helvetica"/>
-                <a:ea typeface="Helvetica"/>
-                <a:cs typeface="Helvetica"/>
-                <a:sym typeface="Helvetica"/>
-              </a:defRPr>
-            </a:lvl1pPr>
-          </a:lstStyle>
-          <a:p>
-            <a:pPr algn="l"/>
-            <a:r>
-              <a:rPr lang="zh-CN" altLang="en-US" sz="4000" b="0" dirty="0" smtClean="0"/>
-              <a:t>时间系统</a:t>
-            </a:r>
-            <a:endParaRPr lang="en-US" altLang="zh-CN" sz="4000" b="0" dirty="0" smtClean="0"/>
-          </a:p>
-          <a:p>
-            <a:pPr algn="l"/>
-            <a:r>
-              <a:rPr lang="zh-CN" altLang="en-US" sz="4000" b="0" dirty="0"/>
-              <a:t>白</a:t>
-            </a:r>
-            <a:r>
-              <a:rPr lang="zh-CN" altLang="en-US" sz="4000" b="0" dirty="0" smtClean="0"/>
-              <a:t>天玩家在现实世界，晚上玩家在灵魂世界</a:t>
-            </a:r>
-            <a:endParaRPr lang="en-US" altLang="zh-CN" sz="4000" b="0" dirty="0" smtClean="0"/>
+                <a:effectLst/>
+                <a:uFillTx/>
+                <a:latin typeface="微软雅黑" panose="020B0503020204020204" pitchFamily="34" charset="-122"/>
+                <a:ea typeface="微软雅黑" panose="020B0503020204020204" pitchFamily="34" charset="-122"/>
+                <a:sym typeface="Helvetica Light"/>
+              </a:rPr>
+              <a:t>1</a:t>
+            </a:r>
+            <a:endParaRPr kumimoji="0" lang="zh-CN" altLang="en-US" b="0" i="0" u="none" strike="noStrike" cap="none" spc="0" normalizeH="0" baseline="0" dirty="0">
+              <a:ln>
+                <a:noFill/>
+              </a:ln>
+              <a:solidFill>
+                <a:srgbClr val="FFFFFF"/>
+              </a:solidFill>
+              <a:effectLst/>
+              <a:uFillTx/>
+              <a:latin typeface="微软雅黑" panose="020B0503020204020204" pitchFamily="34" charset="-122"/>
+              <a:ea typeface="微软雅黑" panose="020B0503020204020204" pitchFamily="34" charset="-122"/>
+              <a:sym typeface="Helvetica Light"/>
+            </a:endParaRPr>
           </a:p>
         </p:txBody>
       </p:sp>
-      <p:pic>
-        <p:nvPicPr>
-          <p:cNvPr id="147" name="pasted-image.pdf"/>
-          <p:cNvPicPr>
-            <a:picLocks noChangeAspect="1"/>
-          </p:cNvPicPr>
-          <p:nvPr/>
-        </p:nvPicPr>
-        <p:blipFill>
-          <a:blip r:embed="rId4">
-            <a:extLst/>
-          </a:blip>
-          <a:srcRect/>
-          <a:stretch>
-            <a:fillRect/>
-          </a:stretch>
-        </p:blipFill>
-        <p:spPr>
-          <a:xfrm>
-            <a:off x="2168418" y="3716511"/>
-            <a:ext cx="558801" cy="558801"/>
-          </a:xfrm>
-          <a:prstGeom prst="rect">
-            <a:avLst/>
-          </a:prstGeom>
-          <a:ln w="12700">
-            <a:miter lim="400000"/>
-          </a:ln>
-        </p:spPr>
-      </p:pic>
     </p:spTree>
+    <p:extLst>
+      <p:ext uri="{BB962C8B-B14F-4D97-AF65-F5344CB8AC3E}">
+        <p14:creationId xmlns:p14="http://schemas.microsoft.com/office/powerpoint/2010/main" val="1026202421"/>
+      </p:ext>
+    </p:extLst>
   </p:cSld>
   <p:clrMapOvr>
     <a:masterClrMapping/>
@@ -4576,9 +4156,90 @@
           <a:chExt cx="0" cy="0"/>
         </a:xfrm>
       </p:grpSpPr>
+      <p:sp>
+        <p:nvSpPr>
+          <p:cNvPr id="126" name="Shape 126"/>
+          <p:cNvSpPr/>
+          <p:nvPr/>
+        </p:nvSpPr>
+        <p:spPr>
+          <a:xfrm>
+            <a:off x="-31818" y="-153408"/>
+            <a:ext cx="24447634" cy="2786882"/>
+          </a:xfrm>
+          <a:prstGeom prst="rect">
+            <a:avLst/>
+          </a:prstGeom>
+          <a:solidFill>
+            <a:srgbClr val="00AE66"/>
+          </a:solidFill>
+          <a:ln w="12700">
+            <a:miter lim="400000"/>
+          </a:ln>
+        </p:spPr>
+        <p:txBody>
+          <a:bodyPr lIns="50800" tIns="50800" rIns="50800" bIns="50800" anchor="ctr"/>
+          <a:lstStyle/>
+          <a:p>
+            <a:pPr>
+              <a:defRPr sz="3200">
+                <a:solidFill>
+                  <a:srgbClr val="FFFFFF"/>
+                </a:solidFill>
+              </a:defRPr>
+            </a:pPr>
+            <a:endParaRPr/>
+          </a:p>
+        </p:txBody>
+      </p:sp>
+      <p:sp>
+        <p:nvSpPr>
+          <p:cNvPr id="128" name="Shape 128"/>
+          <p:cNvSpPr/>
+          <p:nvPr/>
+        </p:nvSpPr>
+        <p:spPr>
+          <a:xfrm>
+            <a:off x="-71254" y="-122759"/>
+            <a:ext cx="24526507" cy="2756232"/>
+          </a:xfrm>
+          <a:prstGeom prst="rect">
+            <a:avLst/>
+          </a:prstGeom>
+          <a:solidFill>
+            <a:srgbClr val="000000">
+              <a:alpha val="70000"/>
+            </a:srgbClr>
+          </a:solidFill>
+          <a:ln w="12700">
+            <a:miter lim="400000"/>
+          </a:ln>
+          <a:effectLst>
+            <a:outerShdw blurRad="38100" dist="25400" dir="5400000" rotWithShape="0">
+              <a:srgbClr val="000000">
+                <a:alpha val="50000"/>
+              </a:srgbClr>
+            </a:outerShdw>
+          </a:effectLst>
+        </p:spPr>
+        <p:txBody>
+          <a:bodyPr lIns="50800" tIns="50800" rIns="50800" bIns="50800" anchor="ctr"/>
+          <a:lstStyle/>
+          <a:p>
+            <a:pPr>
+              <a:defRPr sz="3200">
+                <a:solidFill>
+                  <a:srgbClr val="FFFFFF"/>
+                </a:solidFill>
+              </a:defRPr>
+            </a:pPr>
+            <a:endParaRPr/>
+          </a:p>
+        </p:txBody>
+      </p:sp>
       <p:pic>
         <p:nvPicPr>
-          <p:cNvPr id="134" name="pasted-image.pdf"/>
+          <p:cNvPr id="129" name="pasted-image.pdf"/>
           <p:cNvPicPr>
             <a:picLocks noChangeAspect="1"/>
           </p:cNvPicPr>
@@ -4594,66 +4255,8 @@
         </p:blipFill>
         <p:spPr>
           <a:xfrm>
-            <a:off x="0" y="2249"/>
-            <a:ext cx="24384000" cy="13711502"/>
-          </a:xfrm>
-          <a:prstGeom prst="rect">
-            <a:avLst/>
-          </a:prstGeom>
-          <a:ln w="12700">
-            <a:miter lim="400000"/>
-          </a:ln>
-        </p:spPr>
-      </p:pic>
-      <p:pic>
-        <p:nvPicPr>
-          <p:cNvPr id="135" name="pasted-image.pdf"/>
-          <p:cNvPicPr>
-            <a:picLocks noChangeAspect="1"/>
-          </p:cNvPicPr>
-          <p:nvPr/>
-        </p:nvPicPr>
-        <p:blipFill>
-          <a:blip r:embed="rId3">
-            <a:extLst/>
-          </a:blip>
-          <a:stretch>
-            <a:fillRect/>
-          </a:stretch>
-        </p:blipFill>
-        <p:spPr>
-          <a:xfrm>
-            <a:off x="11681126" y="3834711"/>
-            <a:ext cx="11648515" cy="10676848"/>
-          </a:xfrm>
-          <a:prstGeom prst="rect">
-            <a:avLst/>
-          </a:prstGeom>
-          <a:ln w="12700">
-            <a:miter lim="400000"/>
-          </a:ln>
-        </p:spPr>
-      </p:pic>
-      <p:pic>
-        <p:nvPicPr>
-          <p:cNvPr id="136" name="pasted-image.pdf"/>
-          <p:cNvPicPr>
-            <a:picLocks noChangeAspect="1"/>
-          </p:cNvPicPr>
-          <p:nvPr/>
-        </p:nvPicPr>
-        <p:blipFill>
-          <a:blip r:embed="rId4">
-            <a:extLst/>
-          </a:blip>
-          <a:stretch>
-            <a:fillRect/>
-          </a:stretch>
-        </p:blipFill>
-        <p:spPr>
-          <a:xfrm>
-            <a:off x="749149" y="11699241"/>
-            <a:ext cx="577002" cy="577002"/>
+            <a:off x="10238213" y="-109728"/>
+            <a:ext cx="3800445" cy="1093470"/>
           </a:xfrm>
           <a:prstGeom prst="rect">
             <a:avLst/>
@@ -4665,103 +4268,14 @@
       </p:pic>
       <p:sp>
         <p:nvSpPr>
-          <p:cNvPr id="137" name="Shape 137"/>
+          <p:cNvPr id="130" name="Shape 130"/>
           <p:cNvSpPr/>
           <p:nvPr/>
         </p:nvSpPr>
         <p:spPr>
           <a:xfrm>
-            <a:off x="1550373" y="12290076"/>
-            <a:ext cx="5353889" cy="939801"/>
-          </a:xfrm>
-          <a:prstGeom prst="rect">
-            <a:avLst/>
-          </a:prstGeom>
-          <a:ln w="12700">
-            <a:miter lim="400000"/>
-          </a:ln>
-          <a:extLst>
-            <a:ext uri="{C572A759-6A51-4108-AA02-DFA0A04FC94B}">
-              <ma14:wrappingTextBoxFlag xmlns:ma14="http://schemas.microsoft.com/office/mac/drawingml/2011/main" xmlns="" val="1"/>
-            </a:ext>
-          </a:extLst>
-        </p:spPr>
-        <p:txBody>
-          <a:bodyPr wrap="none" lIns="50800" tIns="50800" rIns="50800" bIns="50800" anchor="b">
-            <a:spAutoFit/>
-          </a:bodyPr>
-          <a:lstStyle>
-            <a:lvl1pPr>
-              <a:lnSpc>
-                <a:spcPct val="200000"/>
-              </a:lnSpc>
-              <a:defRPr sz="4700">
-                <a:solidFill>
-                  <a:srgbClr val="FFFFFF"/>
-                </a:solidFill>
-              </a:defRPr>
-            </a:lvl1pPr>
-          </a:lstStyle>
-          <a:p>
-            <a:r>
-              <a:t>汇报演示类PPT模板</a:t>
-            </a:r>
-          </a:p>
-        </p:txBody>
-      </p:sp>
-      <p:sp>
-        <p:nvSpPr>
-          <p:cNvPr id="138" name="Shape 138"/>
-          <p:cNvSpPr/>
-          <p:nvPr/>
-        </p:nvSpPr>
-        <p:spPr>
-          <a:xfrm>
-            <a:off x="16223656" y="9977895"/>
-            <a:ext cx="6090921" cy="863601"/>
-          </a:xfrm>
-          <a:prstGeom prst="rect">
-            <a:avLst/>
-          </a:prstGeom>
-          <a:ln w="12700">
-            <a:miter lim="400000"/>
-          </a:ln>
-          <a:extLst>
-            <a:ext uri="{C572A759-6A51-4108-AA02-DFA0A04FC94B}">
-              <ma14:wrappingTextBoxFlag xmlns:ma14="http://schemas.microsoft.com/office/mac/drawingml/2011/main" xmlns="" val="1"/>
-            </a:ext>
-          </a:extLst>
-        </p:spPr>
-        <p:txBody>
-          <a:bodyPr wrap="none" lIns="50800" tIns="50800" rIns="50800" bIns="50800" anchor="ctr">
-            <a:spAutoFit/>
-          </a:bodyPr>
-          <a:lstStyle>
-            <a:lvl1pPr>
-              <a:defRPr>
-                <a:solidFill>
-                  <a:srgbClr val="FFFFFF"/>
-                </a:solidFill>
-              </a:defRPr>
-            </a:lvl1pPr>
-          </a:lstStyle>
-          <a:p>
-            <a:r>
-              <a:t>PART1 TYPE A TITLE</a:t>
-            </a:r>
-          </a:p>
-        </p:txBody>
-      </p:sp>
-      <p:sp>
-        <p:nvSpPr>
-          <p:cNvPr id="139" name="Shape 139"/>
-          <p:cNvSpPr/>
-          <p:nvPr/>
-        </p:nvSpPr>
-        <p:spPr>
-          <a:xfrm>
-            <a:off x="18676258" y="6814733"/>
-            <a:ext cx="3670301" cy="2839721"/>
+            <a:off x="10327051" y="1170225"/>
+            <a:ext cx="3693319" cy="1179810"/>
           </a:xfrm>
           <a:prstGeom prst="rect">
             <a:avLst/>
@@ -4782,9 +4296,6 @@
           <a:lstStyle/>
           <a:p>
             <a:pPr>
-              <a:lnSpc>
-                <a:spcPct val="120000"/>
-              </a:lnSpc>
               <a:defRPr sz="7000" b="1">
                 <a:solidFill>
                   <a:srgbClr val="FFFFFF"/>
@@ -4796,31 +4307,216 @@
               </a:defRPr>
             </a:pPr>
             <a:r>
-              <a:t>模块一</a:t>
-            </a:r>
-          </a:p>
-          <a:p>
-            <a:pPr>
+              <a:rPr lang="zh-CN" altLang="en-US" dirty="0" smtClean="0"/>
+              <a:t>游戏介绍</a:t>
+            </a:r>
+            <a:endParaRPr dirty="0" smtClean="0"/>
+          </a:p>
+        </p:txBody>
+      </p:sp>
+      <p:sp>
+        <p:nvSpPr>
+          <p:cNvPr id="132" name="Shape 132"/>
+          <p:cNvSpPr/>
+          <p:nvPr/>
+        </p:nvSpPr>
+        <p:spPr>
+          <a:xfrm>
+            <a:off x="2414016" y="7371920"/>
+            <a:ext cx="20738592" cy="1333698"/>
+          </a:xfrm>
+          <a:prstGeom prst="rect">
+            <a:avLst/>
+          </a:prstGeom>
+          <a:ln w="12700">
+            <a:miter lim="400000"/>
+          </a:ln>
+          <a:extLst>
+            <a:ext uri="{C572A759-6A51-4108-AA02-DFA0A04FC94B}">
+              <ma14:wrappingTextBoxFlag xmlns:ma14="http://schemas.microsoft.com/office/mac/drawingml/2011/main" xmlns="" val="1"/>
+            </a:ext>
+          </a:extLst>
+        </p:spPr>
+        <p:txBody>
+          <a:bodyPr wrap="square" lIns="50800" tIns="50800" rIns="50800" bIns="50800" anchor="ctr">
+            <a:spAutoFit/>
+          </a:bodyPr>
+          <a:lstStyle>
+            <a:lvl1pPr>
+              <a:defRPr sz="3000"/>
+            </a:lvl1pPr>
+          </a:lstStyle>
+          <a:p>
+            <a:pPr algn="l"/>
+            <a:r>
+              <a:rPr lang="zh-CN" altLang="en-US" sz="4000" dirty="0">
+                <a:latin typeface="微软雅黑" panose="020B0503020204020204" pitchFamily="34" charset="-122"/>
+                <a:ea typeface="微软雅黑" panose="020B0503020204020204" pitchFamily="34" charset="-122"/>
+              </a:rPr>
+              <a:t>设</a:t>
+            </a:r>
+            <a:r>
+              <a:rPr lang="zh-CN" altLang="en-US" sz="4000" dirty="0" smtClean="0">
+                <a:latin typeface="微软雅黑" panose="020B0503020204020204" pitchFamily="34" charset="-122"/>
+                <a:ea typeface="微软雅黑" panose="020B0503020204020204" pitchFamily="34" charset="-122"/>
+              </a:rPr>
+              <a:t>定修改：玩家不能进入另一个世界，而是天使给了玩家一个道具，玩家可以使用这个道具，然后 进入到</a:t>
+            </a:r>
+            <a:r>
+              <a:rPr lang="en-US" altLang="zh-CN" sz="4000" dirty="0" smtClean="0">
+                <a:latin typeface="微软雅黑" panose="020B0503020204020204" pitchFamily="34" charset="-122"/>
+                <a:ea typeface="微软雅黑" panose="020B0503020204020204" pitchFamily="34" charset="-122"/>
+              </a:rPr>
+              <a:t>NPC</a:t>
+            </a:r>
+            <a:r>
+              <a:rPr lang="zh-CN" altLang="en-US" sz="4000" dirty="0" smtClean="0">
+                <a:latin typeface="微软雅黑" panose="020B0503020204020204" pitchFamily="34" charset="-122"/>
+                <a:ea typeface="微软雅黑" panose="020B0503020204020204" pitchFamily="34" charset="-122"/>
+              </a:rPr>
+              <a:t>被蛊惑的那一时刻，帮助</a:t>
+            </a:r>
+            <a:r>
+              <a:rPr lang="en-US" altLang="zh-CN" sz="4000" dirty="0" smtClean="0">
+                <a:latin typeface="微软雅黑" panose="020B0503020204020204" pitchFamily="34" charset="-122"/>
+                <a:ea typeface="微软雅黑" panose="020B0503020204020204" pitchFamily="34" charset="-122"/>
+              </a:rPr>
+              <a:t>NPC</a:t>
+            </a:r>
+            <a:r>
+              <a:rPr lang="zh-CN" altLang="en-US" sz="4000" dirty="0" smtClean="0">
+                <a:latin typeface="微软雅黑" panose="020B0503020204020204" pitchFamily="34" charset="-122"/>
+                <a:ea typeface="微软雅黑" panose="020B0503020204020204" pitchFamily="34" charset="-122"/>
+              </a:rPr>
+              <a:t>脱离恶魔的蛊惑</a:t>
+            </a:r>
+            <a:endParaRPr sz="4000" dirty="0">
+              <a:latin typeface="微软雅黑" panose="020B0503020204020204" pitchFamily="34" charset="-122"/>
+              <a:ea typeface="微软雅黑" panose="020B0503020204020204" pitchFamily="34" charset="-122"/>
+            </a:endParaRPr>
+          </a:p>
+        </p:txBody>
+      </p:sp>
+      <p:sp>
+        <p:nvSpPr>
+          <p:cNvPr id="3" name="Rectangle 2"/>
+          <p:cNvSpPr/>
+          <p:nvPr/>
+        </p:nvSpPr>
+        <p:spPr>
+          <a:xfrm>
+            <a:off x="-50106" y="2599045"/>
+            <a:ext cx="3521467" cy="872034"/>
+          </a:xfrm>
+          <a:prstGeom prst="rect">
+            <a:avLst/>
+          </a:prstGeom>
+          <a:solidFill>
+            <a:srgbClr val="00AF66"/>
+          </a:solidFill>
+          <a:ln w="12700" cap="flat">
+            <a:solidFill>
+              <a:schemeClr val="tx1"/>
+            </a:solidFill>
+            <a:miter lim="400000"/>
+          </a:ln>
+          <a:effectLst>
+            <a:outerShdw blurRad="38100" dist="25400" dir="5400000" rotWithShape="0">
+              <a:srgbClr val="000000">
+                <a:alpha val="50000"/>
+              </a:srgbClr>
+            </a:outerShdw>
+          </a:effectLst>
+          <a:sp3d/>
+        </p:spPr>
+        <p:style>
+          <a:lnRef idx="0">
+            <a:scrgbClr r="0" g="0" b="0"/>
+          </a:lnRef>
+          <a:fillRef idx="0">
+            <a:scrgbClr r="0" g="0" b="0"/>
+          </a:fillRef>
+          <a:effectRef idx="0">
+            <a:scrgbClr r="0" g="0" b="0"/>
+          </a:effectRef>
+          <a:fontRef idx="none"/>
+        </p:style>
+        <p:txBody>
+          <a:bodyPr rot="0" spcFirstLastPara="1" vertOverflow="overflow" horzOverflow="overflow" vert="horz" wrap="square" lIns="50800" tIns="50800" rIns="50800" bIns="50800" numCol="1" spcCol="38100" rtlCol="0" anchor="ctr">
+            <a:spAutoFit/>
+          </a:bodyPr>
+          <a:lstStyle/>
+          <a:p>
+            <a:pPr marL="0" marR="0" indent="0" algn="ctr" defTabSz="825500" rtl="0" fontAlgn="auto" latinLnBrk="0" hangingPunct="0">
               <a:lnSpc>
-                <a:spcPct val="120000"/>
+                <a:spcPct val="100000"/>
               </a:lnSpc>
-              <a:defRPr sz="7000" b="1">
+              <a:spcBef>
+                <a:spcPts val="0"/>
+              </a:spcBef>
+              <a:spcAft>
+                <a:spcPts val="0"/>
+              </a:spcAft>
+              <a:buClrTx/>
+              <a:buSzTx/>
+              <a:buFontTx/>
+              <a:buNone/>
+              <a:tabLst/>
+            </a:pPr>
+            <a:r>
+              <a:rPr kumimoji="0" lang="zh-CN" altLang="en-US" b="0" i="0" u="none" strike="noStrike" cap="none" spc="0" normalizeH="0" baseline="0" dirty="0" smtClean="0">
+                <a:ln>
+                  <a:noFill/>
+                </a:ln>
                 <a:solidFill>
                   <a:srgbClr val="FFFFFF"/>
                 </a:solidFill>
-                <a:latin typeface="Helvetica"/>
-                <a:ea typeface="Helvetica"/>
-                <a:cs typeface="Helvetica"/>
-                <a:sym typeface="Helvetica"/>
-              </a:defRPr>
-            </a:pPr>
-            <a:r>
-              <a:t>标题位置</a:t>
-            </a:r>
+                <a:effectLst/>
+                <a:uFillTx/>
+                <a:latin typeface="微软雅黑" panose="020B0503020204020204" pitchFamily="34" charset="-122"/>
+                <a:ea typeface="微软雅黑" panose="020B0503020204020204" pitchFamily="34" charset="-122"/>
+                <a:sym typeface="Helvetica Light"/>
+              </a:rPr>
+              <a:t>游戏剧情</a:t>
+            </a:r>
+            <a:r>
+              <a:rPr kumimoji="0" lang="en-US" altLang="zh-CN" b="0" i="0" u="none" strike="noStrike" cap="none" spc="0" normalizeH="0" baseline="0" dirty="0" smtClean="0">
+                <a:ln>
+                  <a:noFill/>
+                </a:ln>
+                <a:solidFill>
+                  <a:srgbClr val="FFFFFF"/>
+                </a:solidFill>
+                <a:effectLst/>
+                <a:uFillTx/>
+                <a:latin typeface="微软雅黑" panose="020B0503020204020204" pitchFamily="34" charset="-122"/>
+                <a:ea typeface="微软雅黑" panose="020B0503020204020204" pitchFamily="34" charset="-122"/>
+                <a:sym typeface="Helvetica Light"/>
+              </a:rPr>
+              <a:t>2</a:t>
+            </a:r>
+            <a:endParaRPr kumimoji="0" lang="zh-CN" altLang="en-US" b="0" i="0" u="none" strike="noStrike" cap="none" spc="0" normalizeH="0" baseline="0" dirty="0">
+              <a:ln>
+                <a:noFill/>
+              </a:ln>
+              <a:solidFill>
+                <a:srgbClr val="FFFFFF"/>
+              </a:solidFill>
+              <a:effectLst/>
+              <a:uFillTx/>
+              <a:latin typeface="微软雅黑" panose="020B0503020204020204" pitchFamily="34" charset="-122"/>
+              <a:ea typeface="微软雅黑" panose="020B0503020204020204" pitchFamily="34" charset="-122"/>
+              <a:sym typeface="Helvetica Light"/>
+            </a:endParaRPr>
           </a:p>
         </p:txBody>
       </p:sp>
     </p:spTree>
+    <p:extLst>
+      <p:ext uri="{BB962C8B-B14F-4D97-AF65-F5344CB8AC3E}">
+        <p14:creationId xmlns:p14="http://schemas.microsoft.com/office/powerpoint/2010/main" val="2207693672"/>
+      </p:ext>
+    </p:extLst>
   </p:cSld>
   <p:clrMapOvr>
     <a:masterClrMapping/>
@@ -4853,9 +4549,90 @@
           <a:chExt cx="0" cy="0"/>
         </a:xfrm>
       </p:grpSpPr>
+      <p:sp>
+        <p:nvSpPr>
+          <p:cNvPr id="126" name="Shape 126"/>
+          <p:cNvSpPr/>
+          <p:nvPr/>
+        </p:nvSpPr>
+        <p:spPr>
+          <a:xfrm>
+            <a:off x="-31818" y="-153408"/>
+            <a:ext cx="24447634" cy="2786882"/>
+          </a:xfrm>
+          <a:prstGeom prst="rect">
+            <a:avLst/>
+          </a:prstGeom>
+          <a:solidFill>
+            <a:srgbClr val="00AE66"/>
+          </a:solidFill>
+          <a:ln w="12700">
+            <a:miter lim="400000"/>
+          </a:ln>
+        </p:spPr>
+        <p:txBody>
+          <a:bodyPr lIns="50800" tIns="50800" rIns="50800" bIns="50800" anchor="ctr"/>
+          <a:lstStyle/>
+          <a:p>
+            <a:pPr>
+              <a:defRPr sz="3200">
+                <a:solidFill>
+                  <a:srgbClr val="FFFFFF"/>
+                </a:solidFill>
+              </a:defRPr>
+            </a:pPr>
+            <a:endParaRPr/>
+          </a:p>
+        </p:txBody>
+      </p:sp>
+      <p:sp>
+        <p:nvSpPr>
+          <p:cNvPr id="128" name="Shape 128"/>
+          <p:cNvSpPr/>
+          <p:nvPr/>
+        </p:nvSpPr>
+        <p:spPr>
+          <a:xfrm>
+            <a:off x="-71254" y="-122759"/>
+            <a:ext cx="24526507" cy="2756232"/>
+          </a:xfrm>
+          <a:prstGeom prst="rect">
+            <a:avLst/>
+          </a:prstGeom>
+          <a:solidFill>
+            <a:srgbClr val="000000">
+              <a:alpha val="70000"/>
+            </a:srgbClr>
+          </a:solidFill>
+          <a:ln w="12700">
+            <a:miter lim="400000"/>
+          </a:ln>
+          <a:effectLst>
+            <a:outerShdw blurRad="38100" dist="25400" dir="5400000" rotWithShape="0">
+              <a:srgbClr val="000000">
+                <a:alpha val="50000"/>
+              </a:srgbClr>
+            </a:outerShdw>
+          </a:effectLst>
+        </p:spPr>
+        <p:txBody>
+          <a:bodyPr lIns="50800" tIns="50800" rIns="50800" bIns="50800" anchor="ctr"/>
+          <a:lstStyle/>
+          <a:p>
+            <a:pPr>
+              <a:defRPr sz="3200">
+                <a:solidFill>
+                  <a:srgbClr val="FFFFFF"/>
+                </a:solidFill>
+              </a:defRPr>
+            </a:pPr>
+            <a:endParaRPr/>
+          </a:p>
+        </p:txBody>
+      </p:sp>
       <p:pic>
         <p:nvPicPr>
-          <p:cNvPr id="149" name="pasted-image.pdf"/>
+          <p:cNvPr id="129" name="pasted-image.pdf"/>
           <p:cNvPicPr>
             <a:picLocks noChangeAspect="1"/>
           </p:cNvPicPr>
@@ -4871,37 +4648,8 @@
         </p:blipFill>
         <p:spPr>
           <a:xfrm>
-            <a:off x="1905" y="3507"/>
-            <a:ext cx="24380190" cy="614562"/>
-          </a:xfrm>
-          <a:prstGeom prst="rect">
-            <a:avLst/>
-          </a:prstGeom>
-          <a:ln w="12700">
-            <a:miter lim="400000"/>
-          </a:ln>
-        </p:spPr>
-      </p:pic>
-      <p:pic>
-        <p:nvPicPr>
-          <p:cNvPr id="150" name="pasted-image.pdf"/>
-          <p:cNvPicPr>
-            <a:picLocks noChangeAspect="1"/>
-          </p:cNvPicPr>
-          <p:nvPr/>
-        </p:nvPicPr>
-        <p:blipFill>
-          <a:blip r:embed="rId3">
-            <a:extLst/>
-          </a:blip>
-          <a:stretch>
-            <a:fillRect/>
-          </a:stretch>
-        </p:blipFill>
-        <p:spPr>
-          <a:xfrm>
-            <a:off x="1905" y="13457621"/>
-            <a:ext cx="24380190" cy="298087"/>
+            <a:off x="10238213" y="-109728"/>
+            <a:ext cx="3800445" cy="1093470"/>
           </a:xfrm>
           <a:prstGeom prst="rect">
             <a:avLst/>
@@ -4913,14 +4661,14 @@
       </p:pic>
       <p:sp>
         <p:nvSpPr>
-          <p:cNvPr id="151" name="Shape 151"/>
+          <p:cNvPr id="130" name="Shape 130"/>
           <p:cNvSpPr/>
           <p:nvPr/>
         </p:nvSpPr>
         <p:spPr>
           <a:xfrm>
-            <a:off x="568764" y="1165963"/>
-            <a:ext cx="5194301" cy="2235201"/>
+            <a:off x="10327051" y="1170225"/>
+            <a:ext cx="3693319" cy="1179810"/>
           </a:xfrm>
           <a:prstGeom prst="rect">
             <a:avLst/>
@@ -4940,10 +4688,10 @@
           </a:bodyPr>
           <a:lstStyle/>
           <a:p>
-            <a:pPr algn="l">
+            <a:pPr>
               <a:defRPr sz="7000" b="1">
                 <a:solidFill>
-                  <a:srgbClr val="00AF66"/>
+                  <a:srgbClr val="FFFFFF"/>
                 </a:solidFill>
                 <a:latin typeface="Helvetica"/>
                 <a:ea typeface="Helvetica"/>
@@ -4952,199 +4700,121 @@
               </a:defRPr>
             </a:pPr>
             <a:r>
-              <a:t>基础模板</a:t>
-            </a:r>
-          </a:p>
-          <a:p>
-            <a:pPr algn="l">
-              <a:defRPr>
-                <a:solidFill>
-                  <a:srgbClr val="00AF66"/>
-                </a:solidFill>
-              </a:defRPr>
-            </a:pPr>
-            <a:r>
-              <a:t>此处为输入标题处</a:t>
-            </a:r>
+              <a:rPr lang="zh-CN" altLang="en-US" dirty="0" smtClean="0"/>
+              <a:t>游戏系统</a:t>
+            </a:r>
+            <a:endParaRPr dirty="0" smtClean="0"/>
           </a:p>
         </p:txBody>
       </p:sp>
-    </p:spTree>
-  </p:cSld>
-  <p:clrMapOvr>
-    <a:masterClrMapping/>
-  </p:clrMapOvr>
-  <p:transition spd="slow"/>
-  <p:timing>
-    <p:tnLst>
-      <p:par>
-        <p:cTn id="1" dur="indefinite" restart="never" nodeType="tmRoot"/>
-      </p:par>
-    </p:tnLst>
-  </p:timing>
-</p:sld>
-</file>
-
-<file path=ppt/slides/slide6.xml><?xml version="1.0" encoding="utf-8"?>
-<p:sld xmlns:a="http://schemas.openxmlformats.org/drawingml/2006/main" xmlns:r="http://schemas.openxmlformats.org/officeDocument/2006/relationships" xmlns:p="http://schemas.openxmlformats.org/presentationml/2006/main">
-  <p:cSld>
-    <p:spTree>
-      <p:nvGrpSpPr>
-        <p:cNvPr id="1" name=""/>
-        <p:cNvGrpSpPr/>
-        <p:nvPr/>
-      </p:nvGrpSpPr>
-      <p:grpSpPr>
-        <a:xfrm>
-          <a:off x="0" y="0"/>
-          <a:ext cx="0" cy="0"/>
-          <a:chOff x="0" y="0"/>
-          <a:chExt cx="0" cy="0"/>
-        </a:xfrm>
-      </p:grpSpPr>
-      <p:pic>
-        <p:nvPicPr>
-          <p:cNvPr id="153" name="pasted-image.pdf"/>
-          <p:cNvPicPr>
-            <a:picLocks noChangeAspect="1"/>
-          </p:cNvPicPr>
-          <p:nvPr/>
-        </p:nvPicPr>
-        <p:blipFill>
-          <a:blip r:embed="rId2">
-            <a:extLst/>
-          </a:blip>
-          <a:stretch>
-            <a:fillRect/>
-          </a:stretch>
-        </p:blipFill>
-        <p:spPr>
-          <a:xfrm>
-            <a:off x="0" y="2249"/>
-            <a:ext cx="24384000" cy="13711502"/>
-          </a:xfrm>
-          <a:prstGeom prst="rect">
-            <a:avLst/>
-          </a:prstGeom>
-          <a:ln w="12700">
-            <a:miter lim="400000"/>
-          </a:ln>
-        </p:spPr>
-      </p:pic>
-      <p:pic>
-        <p:nvPicPr>
-          <p:cNvPr id="154" name="pasted-image.pdf"/>
-          <p:cNvPicPr>
-            <a:picLocks noChangeAspect="1"/>
-          </p:cNvPicPr>
-          <p:nvPr/>
-        </p:nvPicPr>
-        <p:blipFill>
-          <a:blip r:embed="rId3">
-            <a:extLst/>
-          </a:blip>
-          <a:stretch>
-            <a:fillRect/>
-          </a:stretch>
-        </p:blipFill>
-        <p:spPr>
-          <a:xfrm>
-            <a:off x="11681126" y="3834711"/>
-            <a:ext cx="11648515" cy="10676848"/>
-          </a:xfrm>
-          <a:prstGeom prst="rect">
-            <a:avLst/>
-          </a:prstGeom>
-          <a:ln w="12700">
-            <a:miter lim="400000"/>
-          </a:ln>
-        </p:spPr>
-      </p:pic>
-      <p:pic>
-        <p:nvPicPr>
-          <p:cNvPr id="155" name="pasted-image.pdf"/>
-          <p:cNvPicPr>
-            <a:picLocks noChangeAspect="1"/>
-          </p:cNvPicPr>
-          <p:nvPr/>
-        </p:nvPicPr>
-        <p:blipFill>
-          <a:blip r:embed="rId4">
-            <a:extLst/>
-          </a:blip>
-          <a:stretch>
-            <a:fillRect/>
-          </a:stretch>
-        </p:blipFill>
-        <p:spPr>
-          <a:xfrm>
-            <a:off x="749149" y="11699241"/>
-            <a:ext cx="577002" cy="577002"/>
-          </a:xfrm>
-          <a:prstGeom prst="rect">
-            <a:avLst/>
-          </a:prstGeom>
-          <a:ln w="12700">
-            <a:miter lim="400000"/>
-          </a:ln>
-        </p:spPr>
-      </p:pic>
       <p:sp>
         <p:nvSpPr>
-          <p:cNvPr id="156" name="Shape 156"/>
+          <p:cNvPr id="3" name="Rectangle 2"/>
           <p:cNvSpPr/>
           <p:nvPr/>
         </p:nvSpPr>
         <p:spPr>
           <a:xfrm>
-            <a:off x="1550373" y="12290076"/>
-            <a:ext cx="5353889" cy="939801"/>
+            <a:off x="-50106" y="2599045"/>
+            <a:ext cx="3521467" cy="872034"/>
           </a:xfrm>
           <a:prstGeom prst="rect">
             <a:avLst/>
           </a:prstGeom>
-          <a:ln w="12700">
+          <a:solidFill>
+            <a:srgbClr val="00AF66"/>
+          </a:solidFill>
+          <a:ln w="12700" cap="flat">
+            <a:solidFill>
+              <a:schemeClr val="tx1"/>
+            </a:solidFill>
             <a:miter lim="400000"/>
           </a:ln>
-          <a:extLst>
-            <a:ext uri="{C572A759-6A51-4108-AA02-DFA0A04FC94B}">
-              <ma14:wrappingTextBoxFlag xmlns:ma14="http://schemas.microsoft.com/office/mac/drawingml/2011/main" xmlns="" val="1"/>
-            </a:ext>
-          </a:extLst>
+          <a:effectLst>
+            <a:outerShdw blurRad="38100" dist="25400" dir="5400000" rotWithShape="0">
+              <a:srgbClr val="000000">
+                <a:alpha val="50000"/>
+              </a:srgbClr>
+            </a:outerShdw>
+          </a:effectLst>
+          <a:sp3d/>
         </p:spPr>
+        <p:style>
+          <a:lnRef idx="0">
+            <a:scrgbClr r="0" g="0" b="0"/>
+          </a:lnRef>
+          <a:fillRef idx="0">
+            <a:scrgbClr r="0" g="0" b="0"/>
+          </a:fillRef>
+          <a:effectRef idx="0">
+            <a:scrgbClr r="0" g="0" b="0"/>
+          </a:effectRef>
+          <a:fontRef idx="none"/>
+        </p:style>
         <p:txBody>
-          <a:bodyPr wrap="none" lIns="50800" tIns="50800" rIns="50800" bIns="50800" anchor="b">
+          <a:bodyPr rot="0" spcFirstLastPara="1" vertOverflow="overflow" horzOverflow="overflow" vert="horz" wrap="square" lIns="50800" tIns="50800" rIns="50800" bIns="50800" numCol="1" spcCol="38100" rtlCol="0" anchor="ctr">
             <a:spAutoFit/>
           </a:bodyPr>
-          <a:lstStyle>
-            <a:lvl1pPr>
+          <a:lstStyle/>
+          <a:p>
+            <a:pPr marL="0" marR="0" indent="0" algn="ctr" defTabSz="825500" rtl="0" fontAlgn="auto" latinLnBrk="0" hangingPunct="0">
               <a:lnSpc>
-                <a:spcPct val="200000"/>
+                <a:spcPct val="100000"/>
               </a:lnSpc>
-              <a:defRPr sz="4700">
+              <a:spcBef>
+                <a:spcPts val="0"/>
+              </a:spcBef>
+              <a:spcAft>
+                <a:spcPts val="0"/>
+              </a:spcAft>
+              <a:buClrTx/>
+              <a:buSzTx/>
+              <a:buFontTx/>
+              <a:buNone/>
+              <a:tabLst/>
+            </a:pPr>
+            <a:r>
+              <a:rPr kumimoji="0" lang="zh-CN" altLang="en-US" b="0" i="0" u="none" strike="noStrike" cap="none" spc="0" normalizeH="0" baseline="0" dirty="0" smtClean="0">
+                <a:ln>
+                  <a:noFill/>
+                </a:ln>
                 <a:solidFill>
                   <a:srgbClr val="FFFFFF"/>
                 </a:solidFill>
-              </a:defRPr>
-            </a:lvl1pPr>
-          </a:lstStyle>
-          <a:p>
-            <a:r>
-              <a:t>汇报演示类PPT模板</a:t>
-            </a:r>
+                <a:effectLst/>
+                <a:uFillTx/>
+                <a:latin typeface="微软雅黑" panose="020B0503020204020204" pitchFamily="34" charset="-122"/>
+                <a:ea typeface="微软雅黑" panose="020B0503020204020204" pitchFamily="34" charset="-122"/>
+                <a:sym typeface="Helvetica Light"/>
+              </a:rPr>
+              <a:t>时间系统</a:t>
+            </a:r>
+            <a:endParaRPr kumimoji="0" lang="zh-CN" altLang="en-US" b="0" i="0" u="none" strike="noStrike" cap="none" spc="0" normalizeH="0" baseline="0" dirty="0">
+              <a:ln>
+                <a:noFill/>
+              </a:ln>
+              <a:solidFill>
+                <a:srgbClr val="FFFFFF"/>
+              </a:solidFill>
+              <a:effectLst/>
+              <a:uFillTx/>
+              <a:latin typeface="微软雅黑" panose="020B0503020204020204" pitchFamily="34" charset="-122"/>
+              <a:ea typeface="微软雅黑" panose="020B0503020204020204" pitchFamily="34" charset="-122"/>
+              <a:sym typeface="Helvetica Light"/>
+            </a:endParaRPr>
           </a:p>
         </p:txBody>
       </p:sp>
       <p:sp>
         <p:nvSpPr>
-          <p:cNvPr id="157" name="Shape 157"/>
+          <p:cNvPr id="8" name="Shape 145"/>
           <p:cNvSpPr/>
           <p:nvPr/>
         </p:nvSpPr>
         <p:spPr>
           <a:xfrm>
-            <a:off x="16223656" y="9977895"/>
-            <a:ext cx="6090921" cy="863601"/>
+            <a:off x="7744502" y="7495549"/>
+            <a:ext cx="9848850" cy="718145"/>
           </a:xfrm>
           <a:prstGeom prst="rect">
             <a:avLst/>
@@ -5163,54 +4833,7 @@
             <a:spAutoFit/>
           </a:bodyPr>
           <a:lstStyle>
-            <a:lvl1pPr>
-              <a:defRPr>
-                <a:solidFill>
-                  <a:srgbClr val="FFFFFF"/>
-                </a:solidFill>
-              </a:defRPr>
-            </a:lvl1pPr>
-          </a:lstStyle>
-          <a:p>
-            <a:r>
-              <a:t>PART1 TYPE A TITLE</a:t>
-            </a:r>
-          </a:p>
-        </p:txBody>
-      </p:sp>
-      <p:sp>
-        <p:nvSpPr>
-          <p:cNvPr id="158" name="Shape 158"/>
-          <p:cNvSpPr/>
-          <p:nvPr/>
-        </p:nvSpPr>
-        <p:spPr>
-          <a:xfrm>
-            <a:off x="18676258" y="6814733"/>
-            <a:ext cx="3670301" cy="2839721"/>
-          </a:xfrm>
-          <a:prstGeom prst="rect">
-            <a:avLst/>
-          </a:prstGeom>
-          <a:ln w="12700">
-            <a:miter lim="400000"/>
-          </a:ln>
-          <a:extLst>
-            <a:ext uri="{C572A759-6A51-4108-AA02-DFA0A04FC94B}">
-              <ma14:wrappingTextBoxFlag xmlns:ma14="http://schemas.microsoft.com/office/mac/drawingml/2011/main" xmlns="" val="1"/>
-            </a:ext>
-          </a:extLst>
-        </p:spPr>
-        <p:txBody>
-          <a:bodyPr wrap="none" lIns="50800" tIns="50800" rIns="50800" bIns="50800" anchor="ctr">
-            <a:spAutoFit/>
-          </a:bodyPr>
-          <a:lstStyle/>
-          <a:p>
-            <a:pPr>
-              <a:lnSpc>
-                <a:spcPct val="120000"/>
-              </a:lnSpc>
+            <a:lvl1pPr algn="r">
               <a:defRPr sz="7000" b="1">
                 <a:solidFill>
                   <a:srgbClr val="FFFFFF"/>
@@ -5220,701 +4843,44 @@
                 <a:cs typeface="Helvetica"/>
                 <a:sym typeface="Helvetica"/>
               </a:defRPr>
-            </a:pPr>
-            <a:r>
-              <a:t>模块一</a:t>
-            </a:r>
-          </a:p>
-          <a:p>
-            <a:pPr>
-              <a:lnSpc>
-                <a:spcPct val="120000"/>
-              </a:lnSpc>
-              <a:defRPr sz="7000" b="1">
+            </a:lvl1pPr>
+          </a:lstStyle>
+          <a:p>
+            <a:pPr algn="l"/>
+            <a:r>
+              <a:rPr lang="zh-CN" altLang="en-US" sz="4000" b="0" dirty="0" smtClean="0">
                 <a:solidFill>
-                  <a:srgbClr val="FFFFFF"/>
+                  <a:schemeClr val="tx1"/>
                 </a:solidFill>
-                <a:latin typeface="Helvetica"/>
-                <a:ea typeface="Helvetica"/>
-                <a:cs typeface="Helvetica"/>
-                <a:sym typeface="Helvetica"/>
-              </a:defRPr>
-            </a:pPr>
-            <a:r>
-              <a:t>标题位置</a:t>
-            </a:r>
+              </a:rPr>
+              <a:t>白天玩家在现实世界，晚上玩家在灵魂世界</a:t>
+            </a:r>
+            <a:endParaRPr lang="en-US" altLang="zh-CN" sz="4000" b="0" dirty="0" smtClean="0">
+              <a:solidFill>
+                <a:schemeClr val="tx1"/>
+              </a:solidFill>
+            </a:endParaRPr>
           </a:p>
         </p:txBody>
       </p:sp>
     </p:spTree>
+    <p:extLst>
+      <p:ext uri="{BB962C8B-B14F-4D97-AF65-F5344CB8AC3E}">
+        <p14:creationId xmlns:p14="http://schemas.microsoft.com/office/powerpoint/2010/main" val="3544871912"/>
+      </p:ext>
+    </p:extLst>
   </p:cSld>
   <p:clrMapOvr>
     <a:masterClrMapping/>
   </p:clrMapOvr>
   <p:transition spd="slow"/>
-</p:sld>
-</file>
-
-<file path=ppt/slides/slide7.xml><?xml version="1.0" encoding="utf-8"?>
-<p:sld xmlns:a="http://schemas.openxmlformats.org/drawingml/2006/main" xmlns:r="http://schemas.openxmlformats.org/officeDocument/2006/relationships" xmlns:p="http://schemas.openxmlformats.org/presentationml/2006/main">
-  <p:cSld>
-    <p:spTree>
-      <p:nvGrpSpPr>
-        <p:cNvPr id="1" name=""/>
-        <p:cNvGrpSpPr/>
-        <p:nvPr/>
-      </p:nvGrpSpPr>
-      <p:grpSpPr>
-        <a:xfrm>
-          <a:off x="0" y="0"/>
-          <a:ext cx="0" cy="0"/>
-          <a:chOff x="0" y="0"/>
-          <a:chExt cx="0" cy="0"/>
-        </a:xfrm>
-      </p:grpSpPr>
-      <p:pic>
-        <p:nvPicPr>
-          <p:cNvPr id="160" name="pasted-image.pdf"/>
-          <p:cNvPicPr>
-            <a:picLocks noChangeAspect="1"/>
-          </p:cNvPicPr>
-          <p:nvPr/>
-        </p:nvPicPr>
-        <p:blipFill>
-          <a:blip r:embed="rId2">
-            <a:extLst/>
-          </a:blip>
-          <a:stretch>
-            <a:fillRect/>
-          </a:stretch>
-        </p:blipFill>
-        <p:spPr>
-          <a:xfrm>
-            <a:off x="16690522" y="1193568"/>
-            <a:ext cx="6987490" cy="6987490"/>
-          </a:xfrm>
-          <a:prstGeom prst="rect">
-            <a:avLst/>
-          </a:prstGeom>
-          <a:ln w="12700">
-            <a:miter lim="400000"/>
-          </a:ln>
-        </p:spPr>
-      </p:pic>
-      <p:pic>
-        <p:nvPicPr>
-          <p:cNvPr id="161" name="pasted-image.pdf"/>
-          <p:cNvPicPr>
-            <a:picLocks noChangeAspect="1"/>
-          </p:cNvPicPr>
-          <p:nvPr/>
-        </p:nvPicPr>
-        <p:blipFill>
-          <a:blip r:embed="rId3">
-            <a:extLst/>
-          </a:blip>
-          <a:srcRect/>
-          <a:stretch>
-            <a:fillRect/>
-          </a:stretch>
-        </p:blipFill>
-        <p:spPr>
-          <a:xfrm>
-            <a:off x="17043215" y="1545824"/>
-            <a:ext cx="558801" cy="558801"/>
-          </a:xfrm>
-          <a:prstGeom prst="rect">
-            <a:avLst/>
-          </a:prstGeom>
-          <a:ln w="12700">
-            <a:miter lim="400000"/>
-          </a:ln>
-        </p:spPr>
-      </p:pic>
-      <p:sp>
-        <p:nvSpPr>
-          <p:cNvPr id="162" name="Shape 162"/>
-          <p:cNvSpPr/>
-          <p:nvPr/>
-        </p:nvSpPr>
-        <p:spPr>
-          <a:xfrm>
-            <a:off x="18207604" y="5718073"/>
-            <a:ext cx="3953323" cy="558801"/>
-          </a:xfrm>
-          <a:prstGeom prst="rect">
-            <a:avLst/>
-          </a:prstGeom>
-          <a:ln w="12700">
-            <a:miter lim="400000"/>
-          </a:ln>
-          <a:extLst>
-            <a:ext uri="{C572A759-6A51-4108-AA02-DFA0A04FC94B}">
-              <ma14:wrappingTextBoxFlag xmlns:ma14="http://schemas.microsoft.com/office/mac/drawingml/2011/main" xmlns="" val="1"/>
-            </a:ext>
-          </a:extLst>
-        </p:spPr>
-        <p:txBody>
-          <a:bodyPr wrap="none" lIns="50800" tIns="50800" rIns="50800" bIns="50800" anchor="ctr">
-            <a:spAutoFit/>
-          </a:bodyPr>
-          <a:lstStyle>
-            <a:lvl1pPr>
-              <a:defRPr sz="3000" b="1">
-                <a:solidFill>
-                  <a:srgbClr val="53585F"/>
-                </a:solidFill>
-                <a:latin typeface="Helvetica"/>
-                <a:ea typeface="Helvetica"/>
-                <a:cs typeface="Helvetica"/>
-                <a:sym typeface="Helvetica"/>
-              </a:defRPr>
-            </a:lvl1pPr>
-          </a:lstStyle>
-          <a:p>
-            <a:r>
-              <a:t>PART1 TYPE A TITLE</a:t>
-            </a:r>
-          </a:p>
-        </p:txBody>
-      </p:sp>
-      <p:sp>
-        <p:nvSpPr>
-          <p:cNvPr id="163" name="Shape 163"/>
-          <p:cNvSpPr/>
-          <p:nvPr/>
-        </p:nvSpPr>
-        <p:spPr>
-          <a:xfrm>
-            <a:off x="18349115" y="3097753"/>
-            <a:ext cx="3670301" cy="2590801"/>
-          </a:xfrm>
-          <a:prstGeom prst="rect">
-            <a:avLst/>
-          </a:prstGeom>
-          <a:ln w="12700">
-            <a:miter lim="400000"/>
-          </a:ln>
-          <a:extLst>
-            <a:ext uri="{C572A759-6A51-4108-AA02-DFA0A04FC94B}">
-              <ma14:wrappingTextBoxFlag xmlns:ma14="http://schemas.microsoft.com/office/mac/drawingml/2011/main" xmlns="" val="1"/>
-            </a:ext>
-          </a:extLst>
-        </p:spPr>
-        <p:txBody>
-          <a:bodyPr wrap="none" lIns="50800" tIns="50800" rIns="50800" bIns="50800" anchor="ctr">
-            <a:spAutoFit/>
-          </a:bodyPr>
-          <a:lstStyle/>
-          <a:p>
-            <a:pPr>
-              <a:defRPr sz="7000" b="1">
-                <a:solidFill>
-                  <a:srgbClr val="53585F"/>
-                </a:solidFill>
-                <a:latin typeface="Helvetica"/>
-                <a:ea typeface="Helvetica"/>
-                <a:cs typeface="Helvetica"/>
-                <a:sym typeface="Helvetica"/>
-              </a:defRPr>
-            </a:pPr>
-            <a:r>
-              <a:t>模块三</a:t>
-            </a:r>
-          </a:p>
-          <a:p>
-            <a:pPr>
-              <a:defRPr sz="7000" b="1">
-                <a:solidFill>
-                  <a:srgbClr val="53585F"/>
-                </a:solidFill>
-                <a:latin typeface="Helvetica"/>
-                <a:ea typeface="Helvetica"/>
-                <a:cs typeface="Helvetica"/>
-                <a:sym typeface="Helvetica"/>
-              </a:defRPr>
-            </a:pPr>
-            <a:r>
-              <a:t>标题位置</a:t>
-            </a:r>
-          </a:p>
-        </p:txBody>
-      </p:sp>
-      <p:sp>
-        <p:nvSpPr>
-          <p:cNvPr id="164" name="Shape 164"/>
-          <p:cNvSpPr/>
-          <p:nvPr/>
-        </p:nvSpPr>
-        <p:spPr>
-          <a:xfrm>
-            <a:off x="16746303" y="9220431"/>
-            <a:ext cx="7219466" cy="3302001"/>
-          </a:xfrm>
-          <a:prstGeom prst="rect">
-            <a:avLst/>
-          </a:prstGeom>
-          <a:ln w="12700">
-            <a:miter lim="400000"/>
-          </a:ln>
-          <a:extLst>
-            <a:ext uri="{C572A759-6A51-4108-AA02-DFA0A04FC94B}">
-              <ma14:wrappingTextBoxFlag xmlns:ma14="http://schemas.microsoft.com/office/mac/drawingml/2011/main" xmlns="" val="1"/>
-            </a:ext>
-          </a:extLst>
-        </p:spPr>
-        <p:txBody>
-          <a:bodyPr lIns="50800" tIns="50800" rIns="50800" bIns="50800" anchor="ctr">
-            <a:spAutoFit/>
-          </a:bodyPr>
-          <a:lstStyle>
-            <a:lvl1pPr algn="l">
-              <a:defRPr sz="3000"/>
-            </a:lvl1pPr>
-          </a:lstStyle>
-          <a:p>
-            <a:r>
-              <a:t>输入文本输入文本输入文本输入文本输入文本输入文本输入文本输入文本输入文本输入文本输入文本输入文本输入文本输入文本输入文本输入文本输入文本输入文本输入文本输入文本输入文本输入文本输入文本输入文本输入文本</a:t>
-            </a:r>
-          </a:p>
-        </p:txBody>
-      </p:sp>
-    </p:spTree>
-  </p:cSld>
-  <p:clrMapOvr>
-    <a:masterClrMapping/>
-  </p:clrMapOvr>
-  <p:transition spd="slow"/>
-</p:sld>
-</file>
-
-<file path=ppt/slides/slide8.xml><?xml version="1.0" encoding="utf-8"?>
-<p:sld xmlns:a="http://schemas.openxmlformats.org/drawingml/2006/main" xmlns:r="http://schemas.openxmlformats.org/officeDocument/2006/relationships" xmlns:p="http://schemas.openxmlformats.org/presentationml/2006/main">
-  <p:cSld>
-    <p:spTree>
-      <p:nvGrpSpPr>
-        <p:cNvPr id="1" name=""/>
-        <p:cNvGrpSpPr/>
-        <p:nvPr/>
-      </p:nvGrpSpPr>
-      <p:grpSpPr>
-        <a:xfrm>
-          <a:off x="0" y="0"/>
-          <a:ext cx="0" cy="0"/>
-          <a:chOff x="0" y="0"/>
-          <a:chExt cx="0" cy="0"/>
-        </a:xfrm>
-      </p:grpSpPr>
-      <p:pic>
-        <p:nvPicPr>
-          <p:cNvPr id="166" name="pasted-image.pdf"/>
-          <p:cNvPicPr>
-            <a:picLocks noChangeAspect="1"/>
-          </p:cNvPicPr>
-          <p:nvPr/>
-        </p:nvPicPr>
-        <p:blipFill>
-          <a:blip r:embed="rId2">
-            <a:extLst/>
-          </a:blip>
-          <a:stretch>
-            <a:fillRect/>
-          </a:stretch>
-        </p:blipFill>
-        <p:spPr>
-          <a:xfrm>
-            <a:off x="841408" y="2268134"/>
-            <a:ext cx="6602752" cy="9200060"/>
-          </a:xfrm>
-          <a:prstGeom prst="rect">
-            <a:avLst/>
-          </a:prstGeom>
-          <a:ln w="12700">
-            <a:miter lim="400000"/>
-          </a:ln>
-        </p:spPr>
-      </p:pic>
-      <p:sp>
-        <p:nvSpPr>
-          <p:cNvPr id="167" name="Shape 167"/>
-          <p:cNvSpPr/>
-          <p:nvPr/>
-        </p:nvSpPr>
-        <p:spPr>
-          <a:xfrm>
-            <a:off x="1097551" y="5832638"/>
-            <a:ext cx="3700273" cy="558801"/>
-          </a:xfrm>
-          <a:prstGeom prst="rect">
-            <a:avLst/>
-          </a:prstGeom>
-          <a:ln w="12700">
-            <a:miter lim="400000"/>
-          </a:ln>
-          <a:extLst>
-            <a:ext uri="{C572A759-6A51-4108-AA02-DFA0A04FC94B}">
-              <ma14:wrappingTextBoxFlag xmlns:ma14="http://schemas.microsoft.com/office/mac/drawingml/2011/main" xmlns="" val="1"/>
-            </a:ext>
-          </a:extLst>
-        </p:spPr>
-        <p:txBody>
-          <a:bodyPr wrap="none" lIns="50800" tIns="50800" rIns="50800" bIns="50800" anchor="ctr">
-            <a:spAutoFit/>
-          </a:bodyPr>
-          <a:lstStyle>
-            <a:lvl1pPr>
-              <a:defRPr sz="3000">
-                <a:solidFill>
-                  <a:srgbClr val="FFFFFF"/>
-                </a:solidFill>
-              </a:defRPr>
-            </a:lvl1pPr>
-          </a:lstStyle>
-          <a:p>
-            <a:r>
-              <a:t>PART1 TYPE A TITLE</a:t>
-            </a:r>
-          </a:p>
-        </p:txBody>
-      </p:sp>
-      <p:sp>
-        <p:nvSpPr>
-          <p:cNvPr id="168" name="Shape 168"/>
-          <p:cNvSpPr/>
-          <p:nvPr/>
-        </p:nvSpPr>
-        <p:spPr>
-          <a:xfrm>
-            <a:off x="1112537" y="3111592"/>
-            <a:ext cx="3670301" cy="2590801"/>
-          </a:xfrm>
-          <a:prstGeom prst="rect">
-            <a:avLst/>
-          </a:prstGeom>
-          <a:ln w="12700">
-            <a:miter lim="400000"/>
-          </a:ln>
-          <a:extLst>
-            <a:ext uri="{C572A759-6A51-4108-AA02-DFA0A04FC94B}">
-              <ma14:wrappingTextBoxFlag xmlns:ma14="http://schemas.microsoft.com/office/mac/drawingml/2011/main" xmlns="" val="1"/>
-            </a:ext>
-          </a:extLst>
-        </p:spPr>
-        <p:txBody>
-          <a:bodyPr wrap="none" lIns="50800" tIns="50800" rIns="50800" bIns="50800" anchor="ctr">
-            <a:spAutoFit/>
-          </a:bodyPr>
-          <a:lstStyle/>
-          <a:p>
-            <a:pPr algn="l">
-              <a:defRPr sz="7000" b="1">
-                <a:solidFill>
-                  <a:srgbClr val="FFFFFF"/>
-                </a:solidFill>
-                <a:latin typeface="Helvetica"/>
-                <a:ea typeface="Helvetica"/>
-                <a:cs typeface="Helvetica"/>
-                <a:sym typeface="Helvetica"/>
-              </a:defRPr>
-            </a:pPr>
-            <a:r>
-              <a:t>模块五</a:t>
-            </a:r>
-          </a:p>
-          <a:p>
-            <a:pPr algn="l">
-              <a:defRPr sz="7000" b="1">
-                <a:solidFill>
-                  <a:srgbClr val="FFFFFF"/>
-                </a:solidFill>
-                <a:latin typeface="Helvetica"/>
-                <a:ea typeface="Helvetica"/>
-                <a:cs typeface="Helvetica"/>
-                <a:sym typeface="Helvetica"/>
-              </a:defRPr>
-            </a:pPr>
-            <a:r>
-              <a:t>标题位置</a:t>
-            </a:r>
-          </a:p>
-        </p:txBody>
-      </p:sp>
-    </p:spTree>
-  </p:cSld>
-  <p:clrMapOvr>
-    <a:masterClrMapping/>
-  </p:clrMapOvr>
-  <p:transition spd="slow"/>
-</p:sld>
-</file>
-
-<file path=ppt/slides/slide9.xml><?xml version="1.0" encoding="utf-8"?>
-<p:sld xmlns:a="http://schemas.openxmlformats.org/drawingml/2006/main" xmlns:r="http://schemas.openxmlformats.org/officeDocument/2006/relationships" xmlns:p="http://schemas.openxmlformats.org/presentationml/2006/main">
-  <p:cSld>
-    <p:spTree>
-      <p:nvGrpSpPr>
-        <p:cNvPr id="1" name=""/>
-        <p:cNvGrpSpPr/>
-        <p:nvPr/>
-      </p:nvGrpSpPr>
-      <p:grpSpPr>
-        <a:xfrm>
-          <a:off x="0" y="0"/>
-          <a:ext cx="0" cy="0"/>
-          <a:chOff x="0" y="0"/>
-          <a:chExt cx="0" cy="0"/>
-        </a:xfrm>
-      </p:grpSpPr>
-      <p:pic>
-        <p:nvPicPr>
-          <p:cNvPr id="170" name="pasted-image.pdf"/>
-          <p:cNvPicPr>
-            <a:picLocks noChangeAspect="1"/>
-          </p:cNvPicPr>
-          <p:nvPr/>
-        </p:nvPicPr>
-        <p:blipFill>
-          <a:blip r:embed="rId2">
-            <a:extLst/>
-          </a:blip>
-          <a:stretch>
-            <a:fillRect/>
-          </a:stretch>
-        </p:blipFill>
-        <p:spPr>
-          <a:xfrm>
-            <a:off x="0" y="2249"/>
-            <a:ext cx="24384000" cy="13711502"/>
-          </a:xfrm>
-          <a:prstGeom prst="rect">
-            <a:avLst/>
-          </a:prstGeom>
-          <a:ln w="12700">
-            <a:miter lim="400000"/>
-          </a:ln>
-        </p:spPr>
-      </p:pic>
-      <p:pic>
-        <p:nvPicPr>
-          <p:cNvPr id="171" name="pasted-image.pdf"/>
-          <p:cNvPicPr>
-            <a:picLocks noChangeAspect="1"/>
-          </p:cNvPicPr>
-          <p:nvPr/>
-        </p:nvPicPr>
-        <p:blipFill>
-          <a:blip r:embed="rId3">
-            <a:extLst/>
-          </a:blip>
-          <a:stretch>
-            <a:fillRect/>
-          </a:stretch>
-        </p:blipFill>
-        <p:spPr>
-          <a:xfrm>
-            <a:off x="11681126" y="3834711"/>
-            <a:ext cx="11648515" cy="10676848"/>
-          </a:xfrm>
-          <a:prstGeom prst="rect">
-            <a:avLst/>
-          </a:prstGeom>
-          <a:ln w="12700">
-            <a:miter lim="400000"/>
-          </a:ln>
-        </p:spPr>
-      </p:pic>
-      <p:pic>
-        <p:nvPicPr>
-          <p:cNvPr id="172" name="pasted-image.pdf"/>
-          <p:cNvPicPr>
-            <a:picLocks noChangeAspect="1"/>
-          </p:cNvPicPr>
-          <p:nvPr/>
-        </p:nvPicPr>
-        <p:blipFill>
-          <a:blip r:embed="rId4">
-            <a:extLst/>
-          </a:blip>
-          <a:stretch>
-            <a:fillRect/>
-          </a:stretch>
-        </p:blipFill>
-        <p:spPr>
-          <a:xfrm>
-            <a:off x="749149" y="11699241"/>
-            <a:ext cx="577002" cy="577002"/>
-          </a:xfrm>
-          <a:prstGeom prst="rect">
-            <a:avLst/>
-          </a:prstGeom>
-          <a:ln w="12700">
-            <a:miter lim="400000"/>
-          </a:ln>
-        </p:spPr>
-      </p:pic>
-      <p:sp>
-        <p:nvSpPr>
-          <p:cNvPr id="173" name="Shape 173"/>
-          <p:cNvSpPr/>
-          <p:nvPr/>
-        </p:nvSpPr>
-        <p:spPr>
-          <a:xfrm>
-            <a:off x="1550373" y="12290076"/>
-            <a:ext cx="5353889" cy="939801"/>
-          </a:xfrm>
-          <a:prstGeom prst="rect">
-            <a:avLst/>
-          </a:prstGeom>
-          <a:ln w="12700">
-            <a:miter lim="400000"/>
-          </a:ln>
-          <a:extLst>
-            <a:ext uri="{C572A759-6A51-4108-AA02-DFA0A04FC94B}">
-              <ma14:wrappingTextBoxFlag xmlns:ma14="http://schemas.microsoft.com/office/mac/drawingml/2011/main" xmlns="" val="1"/>
-            </a:ext>
-          </a:extLst>
-        </p:spPr>
-        <p:txBody>
-          <a:bodyPr wrap="none" lIns="50800" tIns="50800" rIns="50800" bIns="50800" anchor="b">
-            <a:spAutoFit/>
-          </a:bodyPr>
-          <a:lstStyle>
-            <a:lvl1pPr>
-              <a:lnSpc>
-                <a:spcPct val="200000"/>
-              </a:lnSpc>
-              <a:defRPr sz="4700">
-                <a:solidFill>
-                  <a:srgbClr val="FFFFFF"/>
-                </a:solidFill>
-              </a:defRPr>
-            </a:lvl1pPr>
-          </a:lstStyle>
-          <a:p>
-            <a:r>
-              <a:t>汇报演示类PPT模板</a:t>
-            </a:r>
-          </a:p>
-        </p:txBody>
-      </p:sp>
-      <p:sp>
-        <p:nvSpPr>
-          <p:cNvPr id="174" name="Shape 174"/>
-          <p:cNvSpPr/>
-          <p:nvPr/>
-        </p:nvSpPr>
-        <p:spPr>
-          <a:xfrm>
-            <a:off x="16223656" y="9977895"/>
-            <a:ext cx="6090921" cy="863601"/>
-          </a:xfrm>
-          <a:prstGeom prst="rect">
-            <a:avLst/>
-          </a:prstGeom>
-          <a:ln w="12700">
-            <a:miter lim="400000"/>
-          </a:ln>
-          <a:extLst>
-            <a:ext uri="{C572A759-6A51-4108-AA02-DFA0A04FC94B}">
-              <ma14:wrappingTextBoxFlag xmlns:ma14="http://schemas.microsoft.com/office/mac/drawingml/2011/main" xmlns="" val="1"/>
-            </a:ext>
-          </a:extLst>
-        </p:spPr>
-        <p:txBody>
-          <a:bodyPr wrap="none" lIns="50800" tIns="50800" rIns="50800" bIns="50800" anchor="ctr">
-            <a:spAutoFit/>
-          </a:bodyPr>
-          <a:lstStyle>
-            <a:lvl1pPr>
-              <a:defRPr>
-                <a:solidFill>
-                  <a:srgbClr val="FFFFFF"/>
-                </a:solidFill>
-              </a:defRPr>
-            </a:lvl1pPr>
-          </a:lstStyle>
-          <a:p>
-            <a:r>
-              <a:t>PART1 TYPE A TITLE</a:t>
-            </a:r>
-          </a:p>
-        </p:txBody>
-      </p:sp>
-      <p:sp>
-        <p:nvSpPr>
-          <p:cNvPr id="175" name="Shape 175"/>
-          <p:cNvSpPr/>
-          <p:nvPr/>
-        </p:nvSpPr>
-        <p:spPr>
-          <a:xfrm>
-            <a:off x="18676258" y="6814733"/>
-            <a:ext cx="3670301" cy="2839721"/>
-          </a:xfrm>
-          <a:prstGeom prst="rect">
-            <a:avLst/>
-          </a:prstGeom>
-          <a:ln w="12700">
-            <a:miter lim="400000"/>
-          </a:ln>
-          <a:extLst>
-            <a:ext uri="{C572A759-6A51-4108-AA02-DFA0A04FC94B}">
-              <ma14:wrappingTextBoxFlag xmlns:ma14="http://schemas.microsoft.com/office/mac/drawingml/2011/main" xmlns="" val="1"/>
-            </a:ext>
-          </a:extLst>
-        </p:spPr>
-        <p:txBody>
-          <a:bodyPr wrap="none" lIns="50800" tIns="50800" rIns="50800" bIns="50800" anchor="ctr">
-            <a:spAutoFit/>
-          </a:bodyPr>
-          <a:lstStyle/>
-          <a:p>
-            <a:pPr>
-              <a:lnSpc>
-                <a:spcPct val="120000"/>
-              </a:lnSpc>
-              <a:defRPr sz="7000" b="1">
-                <a:solidFill>
-                  <a:srgbClr val="FFFFFF"/>
-                </a:solidFill>
-                <a:latin typeface="Helvetica"/>
-                <a:ea typeface="Helvetica"/>
-                <a:cs typeface="Helvetica"/>
-                <a:sym typeface="Helvetica"/>
-              </a:defRPr>
-            </a:pPr>
-            <a:r>
-              <a:t>模块一</a:t>
-            </a:r>
-          </a:p>
-          <a:p>
-            <a:pPr>
-              <a:lnSpc>
-                <a:spcPct val="120000"/>
-              </a:lnSpc>
-              <a:defRPr sz="7000" b="1">
-                <a:solidFill>
-                  <a:srgbClr val="FFFFFF"/>
-                </a:solidFill>
-                <a:latin typeface="Helvetica"/>
-                <a:ea typeface="Helvetica"/>
-                <a:cs typeface="Helvetica"/>
-                <a:sym typeface="Helvetica"/>
-              </a:defRPr>
-            </a:pPr>
-            <a:r>
-              <a:t>标题位置</a:t>
-            </a:r>
-          </a:p>
-        </p:txBody>
-      </p:sp>
-    </p:spTree>
-  </p:cSld>
-  <p:clrMapOvr>
-    <a:masterClrMapping/>
-  </p:clrMapOvr>
-  <p:transition spd="slow"/>
+  <p:timing>
+    <p:tnLst>
+      <p:par>
+        <p:cTn id="1" dur="indefinite" restart="never" nodeType="tmRoot"/>
+      </p:par>
+    </p:tnLst>
+  </p:timing>
 </p:sld>
 </file>
 
